--- a/比賽當天資料/Money Time_比賽.pptx
+++ b/比賽當天資料/Money Time_比賽.pptx
@@ -5,7 +5,7 @@
     <p:sldMasterId id="2147483696" r:id="rId1"/>
   </p:sldMasterIdLst>
   <p:handoutMasterIdLst>
-    <p:handoutMasterId r:id="rId12"/>
+    <p:handoutMasterId r:id="rId14"/>
   </p:handoutMasterIdLst>
   <p:sldIdLst>
     <p:sldId id="256" r:id="rId2"/>
@@ -18,6 +18,8 @@
     <p:sldId id="261" r:id="rId9"/>
     <p:sldId id="263" r:id="rId10"/>
     <p:sldId id="264" r:id="rId11"/>
+    <p:sldId id="266" r:id="rId12"/>
+    <p:sldId id="267" r:id="rId13"/>
   </p:sldIdLst>
   <p:sldSz cx="9144000" cy="6858000" type="screen4x3"/>
   <p:notesSz cx="6858000" cy="9144000"/>
@@ -202,7 +204,7 @@
             <a:fld id="{541F7201-2AE5-46AC-9D29-9B4241522064}" type="datetimeFigureOut">
               <a:rPr lang="zh-TW" altLang="en-US" smtClean="0"/>
               <a:pPr/>
-              <a:t>2013/11/6</a:t>
+              <a:t>2013/11/7</a:t>
             </a:fld>
             <a:endParaRPr lang="zh-TW" altLang="en-US"/>
           </a:p>
@@ -278,7 +280,7 @@
     </p:spTree>
     <p:extLst>
       <p:ext uri="{BB962C8B-B14F-4D97-AF65-F5344CB8AC3E}">
-        <p14:creationId xmlns="" xmlns:p14="http://schemas.microsoft.com/office/powerpoint/2010/main" val="1546526523"/>
+        <p14:creationId xmlns:p14="http://schemas.microsoft.com/office/powerpoint/2010/main" xmlns="" val="1546526523"/>
       </p:ext>
     </p:extLst>
   </p:cSld>
@@ -945,7 +947,7 @@
             <a:fld id="{FB18DEE5-9340-46CD-B38E-E67C1368EC5A}" type="datetimeFigureOut">
               <a:rPr lang="zh-TW" altLang="en-US" smtClean="0"/>
               <a:pPr/>
-              <a:t>2013/11/6</a:t>
+              <a:t>2013/11/7</a:t>
             </a:fld>
             <a:endParaRPr lang="zh-TW" altLang="en-US"/>
           </a:p>
@@ -1130,7 +1132,7 @@
             <a:fld id="{FB18DEE5-9340-46CD-B38E-E67C1368EC5A}" type="datetimeFigureOut">
               <a:rPr lang="zh-TW" altLang="en-US" smtClean="0"/>
               <a:pPr/>
-              <a:t>2013/11/6</a:t>
+              <a:t>2013/11/7</a:t>
             </a:fld>
             <a:endParaRPr lang="zh-TW" altLang="en-US"/>
           </a:p>
@@ -1307,7 +1309,7 @@
             <a:fld id="{FB18DEE5-9340-46CD-B38E-E67C1368EC5A}" type="datetimeFigureOut">
               <a:rPr lang="zh-TW" altLang="en-US" smtClean="0"/>
               <a:pPr/>
-              <a:t>2013/11/6</a:t>
+              <a:t>2013/11/7</a:t>
             </a:fld>
             <a:endParaRPr lang="zh-TW" altLang="en-US"/>
           </a:p>
@@ -1474,7 +1476,7 @@
             <a:fld id="{FB18DEE5-9340-46CD-B38E-E67C1368EC5A}" type="datetimeFigureOut">
               <a:rPr lang="zh-TW" altLang="en-US" smtClean="0"/>
               <a:pPr/>
-              <a:t>2013/11/6</a:t>
+              <a:t>2013/11/7</a:t>
             </a:fld>
             <a:endParaRPr lang="zh-TW" altLang="en-US"/>
           </a:p>
@@ -1697,7 +1699,7 @@
             <a:fld id="{FB18DEE5-9340-46CD-B38E-E67C1368EC5A}" type="datetimeFigureOut">
               <a:rPr lang="zh-TW" altLang="en-US" smtClean="0"/>
               <a:pPr/>
-              <a:t>2013/11/6</a:t>
+              <a:t>2013/11/7</a:t>
             </a:fld>
             <a:endParaRPr lang="zh-TW" altLang="en-US"/>
           </a:p>
@@ -1958,7 +1960,7 @@
             <a:fld id="{FB18DEE5-9340-46CD-B38E-E67C1368EC5A}" type="datetimeFigureOut">
               <a:rPr lang="zh-TW" altLang="en-US" smtClean="0"/>
               <a:pPr/>
-              <a:t>2013/11/6</a:t>
+              <a:t>2013/11/7</a:t>
             </a:fld>
             <a:endParaRPr lang="zh-TW" altLang="en-US"/>
           </a:p>
@@ -2364,7 +2366,7 @@
             <a:fld id="{FB18DEE5-9340-46CD-B38E-E67C1368EC5A}" type="datetimeFigureOut">
               <a:rPr lang="zh-TW" altLang="en-US" smtClean="0"/>
               <a:pPr/>
-              <a:t>2013/11/6</a:t>
+              <a:t>2013/11/7</a:t>
             </a:fld>
             <a:endParaRPr lang="zh-TW" altLang="en-US"/>
           </a:p>
@@ -2497,7 +2499,7 @@
             <a:fld id="{FB18DEE5-9340-46CD-B38E-E67C1368EC5A}" type="datetimeFigureOut">
               <a:rPr lang="zh-TW" altLang="en-US" smtClean="0"/>
               <a:pPr/>
-              <a:t>2013/11/6</a:t>
+              <a:t>2013/11/7</a:t>
             </a:fld>
             <a:endParaRPr lang="zh-TW" altLang="en-US"/>
           </a:p>
@@ -2599,7 +2601,7 @@
             <a:fld id="{FB18DEE5-9340-46CD-B38E-E67C1368EC5A}" type="datetimeFigureOut">
               <a:rPr lang="zh-TW" altLang="en-US" smtClean="0"/>
               <a:pPr/>
-              <a:t>2013/11/6</a:t>
+              <a:t>2013/11/7</a:t>
             </a:fld>
             <a:endParaRPr lang="zh-TW" altLang="en-US"/>
           </a:p>
@@ -2846,7 +2848,7 @@
             <a:fld id="{FB18DEE5-9340-46CD-B38E-E67C1368EC5A}" type="datetimeFigureOut">
               <a:rPr lang="zh-TW" altLang="en-US" smtClean="0"/>
               <a:pPr/>
-              <a:t>2013/11/6</a:t>
+              <a:t>2013/11/7</a:t>
             </a:fld>
             <a:endParaRPr lang="zh-TW" altLang="en-US"/>
           </a:p>
@@ -3092,7 +3094,7 @@
             <a:fld id="{FB18DEE5-9340-46CD-B38E-E67C1368EC5A}" type="datetimeFigureOut">
               <a:rPr lang="zh-TW" altLang="en-US" smtClean="0"/>
               <a:pPr/>
-              <a:t>2013/11/6</a:t>
+              <a:t>2013/11/7</a:t>
             </a:fld>
             <a:endParaRPr lang="zh-TW" altLang="en-US"/>
           </a:p>
@@ -3918,7 +3920,7 @@
             <a:fld id="{FB18DEE5-9340-46CD-B38E-E67C1368EC5A}" type="datetimeFigureOut">
               <a:rPr lang="zh-TW" altLang="en-US" smtClean="0"/>
               <a:pPr/>
-              <a:t>2013/11/6</a:t>
+              <a:t>2013/11/7</a:t>
             </a:fld>
             <a:endParaRPr lang="zh-TW" altLang="en-US"/>
           </a:p>
@@ -4344,7 +4346,21 @@
                 <a:latin typeface="微軟正黑體" pitchFamily="34" charset="-120"/>
                 <a:ea typeface="微軟正黑體" pitchFamily="34" charset="-120"/>
               </a:rPr>
-              <a:t>金錢時刻</a:t>
+              <a:t>金錢</a:t>
+            </a:r>
+            <a:r>
+              <a:rPr lang="zh-TW" altLang="en-US" sz="6600" b="1" smtClean="0">
+                <a:latin typeface="微軟正黑體" pitchFamily="34" charset="-120"/>
+                <a:ea typeface="微軟正黑體" pitchFamily="34" charset="-120"/>
+              </a:rPr>
+              <a:t>時刻                  </a:t>
+            </a:r>
+            <a:r>
+              <a:rPr lang="en-US" altLang="zh-TW" sz="3600" b="1" smtClean="0">
+                <a:latin typeface="微軟正黑體" pitchFamily="34" charset="-120"/>
+                <a:ea typeface="微軟正黑體" pitchFamily="34" charset="-120"/>
+              </a:rPr>
+              <a:t>EI-12</a:t>
             </a:r>
             <a:endParaRPr lang="zh-TW" altLang="en-US" sz="6600" b="1" dirty="0">
               <a:latin typeface="微軟正黑體" pitchFamily="34" charset="-120"/>
@@ -4413,7 +4429,7 @@
   <p:clrMapOvr>
     <a:masterClrMapping/>
   </p:clrMapOvr>
-  <p:transition advTm="9796"/>
+  <p:transition advTm="0"/>
   <p:timing>
     <p:tnLst>
       <p:par>
@@ -4462,40 +4478,77 @@
           <a:lstStyle/>
           <a:p>
             <a:r>
-              <a:rPr lang="zh-TW" altLang="en-US" dirty="0"/>
-              <a:t>使用情境模擬</a:t>
-            </a:r>
+              <a:rPr lang="zh-TW" altLang="en-US" dirty="0" smtClean="0"/>
+              <a:t>未來展望</a:t>
+            </a:r>
+            <a:endParaRPr lang="zh-TW" altLang="en-US" dirty="0"/>
           </a:p>
         </p:txBody>
       </p:sp>
-      <p:sp>
-        <p:nvSpPr>
-          <p:cNvPr id="3" name="內容版面配置區 2"/>
-          <p:cNvSpPr>
-            <a:spLocks noGrp="1"/>
-          </p:cNvSpPr>
+      <p:pic>
+        <p:nvPicPr>
+          <p:cNvPr id="1027" name="Picture 3"/>
+          <p:cNvPicPr>
+            <a:picLocks noGrp="1" noChangeAspect="1" noChangeArrowheads="1"/>
+          </p:cNvPicPr>
           <p:nvPr>
             <p:ph idx="1"/>
           </p:nvPr>
-        </p:nvSpPr>
-        <p:spPr>
+        </p:nvPicPr>
+        <p:blipFill>
+          <a:blip r:embed="rId2" cstate="print"/>
+          <a:srcRect l="22000" t="7294" r="22000" b="16502"/>
+          <a:stretch>
+            <a:fillRect/>
+          </a:stretch>
+        </p:blipFill>
+        <p:spPr bwMode="auto">
           <a:xfrm>
-            <a:off x="457200" y="1772816"/>
-            <a:ext cx="8229600" cy="4801720"/>
+            <a:off x="1619672" y="1628800"/>
+            <a:ext cx="5981260" cy="4392488"/>
           </a:xfrm>
+          <a:prstGeom prst="rect">
+            <a:avLst/>
+          </a:prstGeom>
+          <a:noFill/>
+          <a:ln w="9525">
+            <a:noFill/>
+            <a:miter lim="800000"/>
+            <a:headEnd/>
+            <a:tailEnd/>
+          </a:ln>
         </p:spPr>
-        <p:txBody>
-          <a:bodyPr/>
-          <a:lstStyle/>
-          <a:p>
-            <a:endParaRPr lang="zh-TW" altLang="en-US" dirty="0"/>
-          </a:p>
-        </p:txBody>
-      </p:sp>
+      </p:pic>
+      <p:pic>
+        <p:nvPicPr>
+          <p:cNvPr id="1032" name="Picture 8" descr="51495e9d7e284"/>
+          <p:cNvPicPr>
+            <a:picLocks noChangeAspect="1" noChangeArrowheads="1"/>
+          </p:cNvPicPr>
+          <p:nvPr/>
+        </p:nvPicPr>
+        <p:blipFill>
+          <a:blip r:embed="rId3" cstate="print"/>
+          <a:srcRect/>
+          <a:stretch>
+            <a:fillRect/>
+          </a:stretch>
+        </p:blipFill>
+        <p:spPr bwMode="auto">
+          <a:xfrm>
+            <a:off x="2411760" y="2348880"/>
+            <a:ext cx="4410075" cy="2981326"/>
+          </a:xfrm>
+          <a:prstGeom prst="rect">
+            <a:avLst/>
+          </a:prstGeom>
+          <a:noFill/>
+        </p:spPr>
+      </p:pic>
     </p:spTree>
     <p:extLst>
       <p:ext uri="{BB962C8B-B14F-4D97-AF65-F5344CB8AC3E}">
-        <p14:creationId xmlns="" xmlns:p14="http://schemas.microsoft.com/office/powerpoint/2010/main" val="1275733625"/>
+        <p14:creationId xmlns:p14="http://schemas.microsoft.com/office/powerpoint/2010/main" xmlns="" val="1275733625"/>
       </p:ext>
     </p:extLst>
   </p:cSld>
@@ -4503,6 +4556,302 @@
     <a:masterClrMapping/>
   </p:clrMapOvr>
   <p:transition advTm="4275"/>
+  <p:timing>
+    <p:tnLst>
+      <p:par>
+        <p:cTn id="1" dur="indefinite" restart="never" nodeType="tmRoot">
+          <p:childTnLst>
+            <p:seq concurrent="1" nextAc="seek">
+              <p:cTn id="2" dur="indefinite" nodeType="mainSeq">
+                <p:childTnLst>
+                  <p:par>
+                    <p:cTn id="3" fill="hold">
+                      <p:stCondLst>
+                        <p:cond delay="indefinite"/>
+                      </p:stCondLst>
+                      <p:childTnLst>
+                        <p:par>
+                          <p:cTn id="4" fill="hold">
+                            <p:stCondLst>
+                              <p:cond delay="0"/>
+                            </p:stCondLst>
+                            <p:childTnLst>
+                              <p:par>
+                                <p:cTn id="5" presetID="10" presetClass="entr" presetSubtype="0" fill="hold" nodeType="clickEffect">
+                                  <p:stCondLst>
+                                    <p:cond delay="0"/>
+                                  </p:stCondLst>
+                                  <p:childTnLst>
+                                    <p:set>
+                                      <p:cBhvr>
+                                        <p:cTn id="6" dur="1" fill="hold">
+                                          <p:stCondLst>
+                                            <p:cond delay="0"/>
+                                          </p:stCondLst>
+                                        </p:cTn>
+                                        <p:tgtEl>
+                                          <p:spTgt spid="1027"/>
+                                        </p:tgtEl>
+                                        <p:attrNameLst>
+                                          <p:attrName>style.visibility</p:attrName>
+                                        </p:attrNameLst>
+                                      </p:cBhvr>
+                                      <p:to>
+                                        <p:strVal val="visible"/>
+                                      </p:to>
+                                    </p:set>
+                                    <p:animEffect transition="in" filter="fade">
+                                      <p:cBhvr>
+                                        <p:cTn id="7" dur="500"/>
+                                        <p:tgtEl>
+                                          <p:spTgt spid="1027"/>
+                                        </p:tgtEl>
+                                      </p:cBhvr>
+                                    </p:animEffect>
+                                  </p:childTnLst>
+                                </p:cTn>
+                              </p:par>
+                            </p:childTnLst>
+                          </p:cTn>
+                        </p:par>
+                      </p:childTnLst>
+                    </p:cTn>
+                  </p:par>
+                  <p:par>
+                    <p:cTn id="8" fill="hold">
+                      <p:stCondLst>
+                        <p:cond delay="indefinite"/>
+                      </p:stCondLst>
+                      <p:childTnLst>
+                        <p:par>
+                          <p:cTn id="9" fill="hold">
+                            <p:stCondLst>
+                              <p:cond delay="0"/>
+                            </p:stCondLst>
+                            <p:childTnLst>
+                              <p:par>
+                                <p:cTn id="10" presetID="10" presetClass="exit" presetSubtype="0" fill="hold" nodeType="clickEffect">
+                                  <p:stCondLst>
+                                    <p:cond delay="0"/>
+                                  </p:stCondLst>
+                                  <p:childTnLst>
+                                    <p:animEffect transition="out" filter="fade">
+                                      <p:cBhvr>
+                                        <p:cTn id="11" dur="500"/>
+                                        <p:tgtEl>
+                                          <p:spTgt spid="1027"/>
+                                        </p:tgtEl>
+                                      </p:cBhvr>
+                                    </p:animEffect>
+                                    <p:set>
+                                      <p:cBhvr>
+                                        <p:cTn id="12" dur="1" fill="hold">
+                                          <p:stCondLst>
+                                            <p:cond delay="499"/>
+                                          </p:stCondLst>
+                                        </p:cTn>
+                                        <p:tgtEl>
+                                          <p:spTgt spid="1027"/>
+                                        </p:tgtEl>
+                                        <p:attrNameLst>
+                                          <p:attrName>style.visibility</p:attrName>
+                                        </p:attrNameLst>
+                                      </p:cBhvr>
+                                      <p:to>
+                                        <p:strVal val="hidden"/>
+                                      </p:to>
+                                    </p:set>
+                                  </p:childTnLst>
+                                </p:cTn>
+                              </p:par>
+                              <p:par>
+                                <p:cTn id="13" presetID="10" presetClass="entr" presetSubtype="0" fill="hold" nodeType="withEffect">
+                                  <p:stCondLst>
+                                    <p:cond delay="0"/>
+                                  </p:stCondLst>
+                                  <p:childTnLst>
+                                    <p:set>
+                                      <p:cBhvr>
+                                        <p:cTn id="14" dur="1" fill="hold">
+                                          <p:stCondLst>
+                                            <p:cond delay="0"/>
+                                          </p:stCondLst>
+                                        </p:cTn>
+                                        <p:tgtEl>
+                                          <p:spTgt spid="1032"/>
+                                        </p:tgtEl>
+                                        <p:attrNameLst>
+                                          <p:attrName>style.visibility</p:attrName>
+                                        </p:attrNameLst>
+                                      </p:cBhvr>
+                                      <p:to>
+                                        <p:strVal val="visible"/>
+                                      </p:to>
+                                    </p:set>
+                                    <p:animEffect transition="in" filter="fade">
+                                      <p:cBhvr>
+                                        <p:cTn id="15" dur="1000"/>
+                                        <p:tgtEl>
+                                          <p:spTgt spid="1032"/>
+                                        </p:tgtEl>
+                                      </p:cBhvr>
+                                    </p:animEffect>
+                                  </p:childTnLst>
+                                </p:cTn>
+                              </p:par>
+                            </p:childTnLst>
+                          </p:cTn>
+                        </p:par>
+                      </p:childTnLst>
+                    </p:cTn>
+                  </p:par>
+                </p:childTnLst>
+              </p:cTn>
+              <p:prevCondLst>
+                <p:cond evt="onPrev" delay="0">
+                  <p:tgtEl>
+                    <p:sldTgt/>
+                  </p:tgtEl>
+                </p:cond>
+              </p:prevCondLst>
+              <p:nextCondLst>
+                <p:cond evt="onNext" delay="0">
+                  <p:tgtEl>
+                    <p:sldTgt/>
+                  </p:tgtEl>
+                </p:cond>
+              </p:nextCondLst>
+            </p:seq>
+          </p:childTnLst>
+        </p:cTn>
+      </p:par>
+    </p:tnLst>
+  </p:timing>
+</p:sld>
+</file>
+
+<file path=ppt/slides/slide11.xml><?xml version="1.0" encoding="utf-8"?>
+<p:sld xmlns:a="http://schemas.openxmlformats.org/drawingml/2006/main" xmlns:r="http://schemas.openxmlformats.org/officeDocument/2006/relationships" xmlns:p="http://schemas.openxmlformats.org/presentationml/2006/main">
+  <p:cSld>
+    <p:spTree>
+      <p:nvGrpSpPr>
+        <p:cNvPr id="1" name=""/>
+        <p:cNvGrpSpPr/>
+        <p:nvPr/>
+      </p:nvGrpSpPr>
+      <p:grpSpPr>
+        <a:xfrm>
+          <a:off x="0" y="0"/>
+          <a:ext cx="0" cy="0"/>
+          <a:chOff x="0" y="0"/>
+          <a:chExt cx="0" cy="0"/>
+        </a:xfrm>
+      </p:grpSpPr>
+      <p:sp>
+        <p:nvSpPr>
+          <p:cNvPr id="4" name="標題 3"/>
+          <p:cNvSpPr>
+            <a:spLocks noGrp="1"/>
+          </p:cNvSpPr>
+          <p:nvPr>
+            <p:ph type="title"/>
+          </p:nvPr>
+        </p:nvSpPr>
+        <p:spPr>
+          <a:xfrm>
+            <a:off x="1619672" y="3007224"/>
+            <a:ext cx="8229600" cy="1069848"/>
+          </a:xfrm>
+        </p:spPr>
+        <p:txBody>
+          <a:bodyPr>
+            <a:normAutofit/>
+          </a:bodyPr>
+          <a:lstStyle/>
+          <a:p>
+            <a:r>
+              <a:rPr lang="zh-TW" altLang="en-US" sz="5400" dirty="0" smtClean="0"/>
+              <a:t>感謝各位評審</a:t>
+            </a:r>
+            <a:r>
+              <a:rPr lang="zh-TW" altLang="en-US" sz="5400" dirty="0" smtClean="0"/>
+              <a:t>聆聽</a:t>
+            </a:r>
+            <a:endParaRPr lang="zh-TW" altLang="en-US" sz="5400" dirty="0"/>
+          </a:p>
+        </p:txBody>
+      </p:sp>
+    </p:spTree>
+  </p:cSld>
+  <p:clrMapOvr>
+    <a:masterClrMapping/>
+  </p:clrMapOvr>
+  <p:timing>
+    <p:tnLst>
+      <p:par>
+        <p:cTn id="1" dur="indefinite" restart="never" nodeType="tmRoot"/>
+      </p:par>
+    </p:tnLst>
+  </p:timing>
+</p:sld>
+</file>
+
+<file path=ppt/slides/slide12.xml><?xml version="1.0" encoding="utf-8"?>
+<p:sld xmlns:a="http://schemas.openxmlformats.org/drawingml/2006/main" xmlns:r="http://schemas.openxmlformats.org/officeDocument/2006/relationships" xmlns:p="http://schemas.openxmlformats.org/presentationml/2006/main">
+  <p:cSld>
+    <p:spTree>
+      <p:nvGrpSpPr>
+        <p:cNvPr id="1" name=""/>
+        <p:cNvGrpSpPr/>
+        <p:nvPr/>
+      </p:nvGrpSpPr>
+      <p:grpSpPr>
+        <a:xfrm>
+          <a:off x="0" y="0"/>
+          <a:ext cx="0" cy="0"/>
+          <a:chOff x="0" y="0"/>
+          <a:chExt cx="0" cy="0"/>
+        </a:xfrm>
+      </p:grpSpPr>
+      <p:sp>
+        <p:nvSpPr>
+          <p:cNvPr id="2" name="標題 1"/>
+          <p:cNvSpPr>
+            <a:spLocks noGrp="1"/>
+          </p:cNvSpPr>
+          <p:nvPr>
+            <p:ph type="title"/>
+          </p:nvPr>
+        </p:nvSpPr>
+        <p:spPr>
+          <a:xfrm>
+            <a:off x="2967136" y="2935216"/>
+            <a:ext cx="8229600" cy="1069848"/>
+          </a:xfrm>
+        </p:spPr>
+        <p:txBody>
+          <a:bodyPr>
+            <a:noAutofit/>
+          </a:bodyPr>
+          <a:lstStyle/>
+          <a:p>
+            <a:r>
+              <a:rPr lang="en-US" altLang="zh-TW" sz="7200" dirty="0" smtClean="0">
+                <a:latin typeface="+mj-ea"/>
+              </a:rPr>
+              <a:t>Q&amp;A</a:t>
+            </a:r>
+            <a:endParaRPr lang="zh-TW" altLang="en-US" sz="7200" dirty="0">
+              <a:latin typeface="+mj-ea"/>
+            </a:endParaRPr>
+          </a:p>
+        </p:txBody>
+      </p:sp>
+    </p:spTree>
+  </p:cSld>
+  <p:clrMapOvr>
+    <a:masterClrMapping/>
+  </p:clrMapOvr>
   <p:timing>
     <p:tnLst>
       <p:par>
@@ -4663,7 +5012,7 @@
                 <a:latin typeface="Adobe 黑体 Std R" pitchFamily="34" charset="-128"/>
                 <a:ea typeface="Adobe 黑体 Std R" pitchFamily="34" charset="-128"/>
               </a:rPr>
-              <a:t>使用情境模擬</a:t>
+              <a:t>未來展望</a:t>
             </a:r>
             <a:endParaRPr lang="en-US" altLang="zh-TW" dirty="0" smtClean="0">
               <a:latin typeface="Adobe 黑体 Std R" pitchFamily="34" charset="-128"/>
@@ -4688,6 +5037,10 @@
               </a:rPr>
               <a:t>Q&amp;A</a:t>
             </a:r>
+            <a:endParaRPr lang="en-US" altLang="zh-TW" dirty="0" smtClean="0">
+              <a:latin typeface="Adobe 黑体 Std R" pitchFamily="34" charset="-128"/>
+              <a:ea typeface="Adobe 黑体 Std R" pitchFamily="34" charset="-128"/>
+            </a:endParaRPr>
           </a:p>
           <a:p>
             <a:pPr marL="624078" indent="-514350">
@@ -4706,7 +5059,7 @@
   <p:clrMapOvr>
     <a:masterClrMapping/>
   </p:clrMapOvr>
-  <p:transition advTm="3573"/>
+  <p:transition advTm="0"/>
   <p:timing>
     <p:tnLst>
       <p:par>
@@ -4821,7 +5174,14 @@
                 <a:latin typeface="+mj-ea"/>
                 <a:ea typeface="+mj-ea"/>
               </a:rPr>
-              <a:t>商家使用紙本電子發票普及化</a:t>
+              <a:t>財政部推廣電子發票載</a:t>
+            </a:r>
+            <a:r>
+              <a:rPr lang="zh-TW" altLang="en-US" dirty="0" smtClean="0">
+                <a:latin typeface="+mj-ea"/>
+                <a:ea typeface="+mj-ea"/>
+              </a:rPr>
+              <a:t>具</a:t>
             </a:r>
             <a:endParaRPr lang="en-US" altLang="zh-TW" dirty="0" smtClean="0">
               <a:latin typeface="+mj-ea"/>
@@ -4854,7 +5214,7 @@
                 <a:latin typeface="+mj-ea"/>
                 <a:ea typeface="+mj-ea"/>
               </a:rPr>
-              <a:t>財政部推廣電子發票載具</a:t>
+              <a:t>商家使用紙本電子發票普及化</a:t>
             </a:r>
             <a:endParaRPr lang="en-US" altLang="zh-TW" dirty="0" smtClean="0">
               <a:latin typeface="+mj-ea"/>
@@ -4887,35 +5247,16 @@
                 <a:latin typeface="+mj-ea"/>
                 <a:ea typeface="+mj-ea"/>
               </a:rPr>
-              <a:t>結合以上特點，實現一個簡潔快速的帳務管理</a:t>
+              <a:t>結合以上特點，實現一個簡潔快速的帳務</a:t>
+            </a:r>
+            <a:r>
+              <a:rPr lang="zh-TW" altLang="en-US" dirty="0" smtClean="0">
+                <a:latin typeface="+mj-ea"/>
+                <a:ea typeface="+mj-ea"/>
+              </a:rPr>
+              <a:t>管理</a:t>
             </a:r>
             <a:endParaRPr lang="en-US" altLang="zh-TW" dirty="0" smtClean="0">
-              <a:latin typeface="+mj-ea"/>
-              <a:ea typeface="+mj-ea"/>
-            </a:endParaRPr>
-          </a:p>
-          <a:p>
-            <a:pPr>
-              <a:buClr>
-                <a:srgbClr val="0070C0"/>
-              </a:buClr>
-              <a:buFont typeface="Arial" pitchFamily="34" charset="0"/>
-              <a:buChar char="•"/>
-            </a:pPr>
-            <a:endParaRPr lang="en-US" altLang="zh-TW" dirty="0" smtClean="0">
-              <a:latin typeface="+mj-ea"/>
-              <a:ea typeface="+mj-ea"/>
-            </a:endParaRPr>
-          </a:p>
-          <a:p>
-            <a:pPr>
-              <a:buClr>
-                <a:srgbClr val="0070C0"/>
-              </a:buClr>
-              <a:buFont typeface="Arial" pitchFamily="34" charset="0"/>
-              <a:buChar char="•"/>
-            </a:pPr>
-            <a:endParaRPr lang="zh-TW" altLang="en-US" dirty="0">
               <a:latin typeface="+mj-ea"/>
               <a:ea typeface="+mj-ea"/>
             </a:endParaRPr>
@@ -4927,7 +5268,7 @@
   <p:clrMapOvr>
     <a:masterClrMapping/>
   </p:clrMapOvr>
-  <p:transition advTm="33571"/>
+  <p:transition advTm="266"/>
   <p:timing>
     <p:tnLst>
       <p:par>
@@ -6098,7 +6439,7 @@
   <p:clrMapOvr>
     <a:masterClrMapping/>
   </p:clrMapOvr>
-  <p:transition advTm="43899"/>
+  <p:transition advTm="57408"/>
   <p:timing>
     <p:tnLst>
       <p:par>
@@ -6162,7 +6503,7 @@
         <p:spPr/>
         <p:txBody>
           <a:bodyPr>
-            <a:normAutofit fontScale="92500"/>
+            <a:normAutofit fontScale="85000" lnSpcReduction="10000"/>
           </a:bodyPr>
           <a:lstStyle/>
           <a:p>
@@ -6181,35 +6522,7 @@
                 <a:latin typeface="+mj-ea"/>
                 <a:ea typeface="+mj-ea"/>
               </a:rPr>
-              <a:t>紙本電子發票</a:t>
-            </a:r>
-            <a:r>
-              <a:rPr lang="en-US" altLang="zh-TW" dirty="0" smtClean="0">
-                <a:latin typeface="+mj-ea"/>
-                <a:ea typeface="+mj-ea"/>
-              </a:rPr>
-              <a:t>QR</a:t>
-            </a:r>
-            <a:r>
-              <a:rPr lang="zh-TW" altLang="en-US" dirty="0" smtClean="0">
-                <a:latin typeface="+mj-ea"/>
-                <a:ea typeface="+mj-ea"/>
-              </a:rPr>
-              <a:t> </a:t>
-            </a:r>
-            <a:r>
-              <a:rPr lang="en-US" altLang="zh-TW" dirty="0" smtClean="0">
-                <a:latin typeface="+mj-ea"/>
-                <a:ea typeface="+mj-ea"/>
-              </a:rPr>
-              <a:t>Code</a:t>
-            </a:r>
-            <a:r>
-              <a:rPr lang="zh-TW" altLang="en-US" dirty="0" smtClean="0">
-                <a:latin typeface="+mj-ea"/>
-                <a:ea typeface="+mj-ea"/>
-              </a:rPr>
-              <a:t>掃描</a:t>
+              <a:t>帳務管理</a:t>
             </a:r>
             <a:endParaRPr lang="en-US" altLang="zh-TW" dirty="0" smtClean="0">
               <a:latin typeface="+mj-ea"/>
@@ -6230,13 +6543,35 @@
             <a:r>
               <a:rPr lang="zh-TW" altLang="en-US" dirty="0" smtClean="0">
                 <a:latin typeface="+mj-ea"/>
-                <a:ea typeface="+mj-ea"/>
               </a:rPr>
-              <a:t>登入手機條碼載具</a:t>
+              <a:t>紙本電子發票</a:t>
+            </a:r>
+            <a:r>
+              <a:rPr lang="en-US" altLang="zh-TW" dirty="0" smtClean="0">
+                <a:latin typeface="+mj-ea"/>
+              </a:rPr>
+              <a:t>QR</a:t>
+            </a:r>
+            <a:r>
+              <a:rPr lang="zh-TW" altLang="en-US" dirty="0" smtClean="0">
+                <a:latin typeface="+mj-ea"/>
+              </a:rPr>
+              <a:t> </a:t>
+            </a:r>
+            <a:r>
+              <a:rPr lang="en-US" altLang="zh-TW" dirty="0" smtClean="0">
+                <a:latin typeface="+mj-ea"/>
+              </a:rPr>
+              <a:t>Code</a:t>
+            </a:r>
+            <a:r>
+              <a:rPr lang="zh-TW" altLang="en-US" dirty="0" smtClean="0">
+                <a:latin typeface="+mj-ea"/>
+              </a:rPr>
+              <a:t>掃描</a:t>
             </a:r>
             <a:endParaRPr lang="en-US" altLang="zh-TW" dirty="0" smtClean="0">
               <a:latin typeface="+mj-ea"/>
-              <a:ea typeface="+mj-ea"/>
             </a:endParaRPr>
           </a:p>
           <a:p>
@@ -6255,7 +6590,14 @@
                 <a:latin typeface="+mj-ea"/>
                 <a:ea typeface="+mj-ea"/>
               </a:rPr>
-              <a:t>系統提醒</a:t>
+              <a:t>載</a:t>
+            </a:r>
+            <a:r>
+              <a:rPr lang="zh-TW" altLang="en-US" dirty="0" smtClean="0">
+                <a:latin typeface="+mj-ea"/>
+                <a:ea typeface="+mj-ea"/>
+              </a:rPr>
+              <a:t>具登入</a:t>
             </a:r>
             <a:endParaRPr lang="en-US" altLang="zh-TW" dirty="0" smtClean="0">
               <a:latin typeface="+mj-ea"/>
@@ -6278,7 +6620,7 @@
                 <a:latin typeface="+mj-ea"/>
                 <a:ea typeface="+mj-ea"/>
               </a:rPr>
-              <a:t>系統帳務匯入匯出</a:t>
+              <a:t>系統提醒</a:t>
             </a:r>
             <a:endParaRPr lang="en-US" altLang="zh-TW" dirty="0" smtClean="0">
               <a:latin typeface="+mj-ea"/>
@@ -6297,18 +6639,11 @@
               <a:buAutoNum type="ea1ChtPeriod"/>
             </a:pPr>
             <a:r>
-              <a:rPr lang="en-US" altLang="zh-TW" dirty="0" smtClean="0">
-                <a:latin typeface="+mj-ea"/>
-                <a:ea typeface="+mj-ea"/>
-              </a:rPr>
-              <a:t>Google Drive</a:t>
-            </a:r>
-            <a:r>
               <a:rPr lang="zh-TW" altLang="en-US" dirty="0" smtClean="0">
                 <a:latin typeface="+mj-ea"/>
                 <a:ea typeface="+mj-ea"/>
               </a:rPr>
-              <a:t>雲端備份</a:t>
+              <a:t>系統帳務匯入匯出</a:t>
             </a:r>
             <a:endParaRPr lang="en-US" altLang="zh-TW" dirty="0" smtClean="0">
               <a:latin typeface="+mj-ea"/>
@@ -6327,6 +6662,36 @@
               <a:buAutoNum type="ea1ChtPeriod"/>
             </a:pPr>
             <a:r>
+              <a:rPr lang="en-US" altLang="zh-TW" dirty="0" smtClean="0">
+                <a:latin typeface="+mj-ea"/>
+                <a:ea typeface="+mj-ea"/>
+              </a:rPr>
+              <a:t>Google Drive</a:t>
+            </a:r>
+            <a:r>
+              <a:rPr lang="zh-TW" altLang="en-US" dirty="0" smtClean="0">
+                <a:latin typeface="+mj-ea"/>
+                <a:ea typeface="+mj-ea"/>
+              </a:rPr>
+              <a:t>雲端備份</a:t>
+            </a:r>
+            <a:endParaRPr lang="en-US" altLang="zh-TW" dirty="0" smtClean="0">
+              <a:latin typeface="+mj-ea"/>
+              <a:ea typeface="+mj-ea"/>
+            </a:endParaRPr>
+          </a:p>
+          <a:p>
+            <a:pPr marL="624078" indent="-514350">
+              <a:lnSpc>
+                <a:spcPct val="160000"/>
+              </a:lnSpc>
+              <a:buClr>
+                <a:schemeClr val="tx1"/>
+              </a:buClr>
+              <a:buFont typeface="+mj-ea"/>
+              <a:buAutoNum type="ea1ChtPeriod"/>
+            </a:pPr>
+            <a:r>
               <a:rPr lang="zh-TW" altLang="en-US" dirty="0" smtClean="0">
                 <a:latin typeface="+mj-ea"/>
                 <a:ea typeface="+mj-ea"/>
@@ -6387,7 +6752,7 @@
   <p:clrMapOvr>
     <a:masterClrMapping/>
   </p:clrMapOvr>
-  <p:transition advTm="11887"/>
+  <p:transition advTm="25179"/>
   <p:timing>
     <p:tnLst>
       <p:par>
@@ -6427,7 +6792,7 @@
           <a:blip r:embed="rId3" cstate="print">
             <a:extLst>
               <a:ext uri="{28A0092B-C50C-407E-A947-70E740481C1C}">
-                <a14:useLocalDpi xmlns="" xmlns:a14="http://schemas.microsoft.com/office/drawing/2010/main" val="0"/>
+                <a14:useLocalDpi xmlns:a14="http://schemas.microsoft.com/office/drawing/2010/main" xmlns="" val="0"/>
               </a:ext>
             </a:extLst>
           </a:blip>
@@ -6450,14 +6815,14 @@
           </a:ln>
           <a:extLst>
             <a:ext uri="{909E8E84-426E-40DD-AFC4-6F175D3DCCD1}">
-              <a14:hiddenFill xmlns="" xmlns:a14="http://schemas.microsoft.com/office/drawing/2010/main">
+              <a14:hiddenFill xmlns:a14="http://schemas.microsoft.com/office/drawing/2010/main" xmlns="">
                 <a:solidFill>
                   <a:schemeClr val="accent1"/>
                 </a:solidFill>
               </a14:hiddenFill>
             </a:ext>
             <a:ext uri="{91240B29-F687-4F45-9708-019B960494DF}">
-              <a14:hiddenLine xmlns="" xmlns:a14="http://schemas.microsoft.com/office/drawing/2010/main" w="9525">
+              <a14:hiddenLine xmlns:a14="http://schemas.microsoft.com/office/drawing/2010/main" xmlns="" w="9525">
                 <a:solidFill>
                   <a:schemeClr val="tx1"/>
                 </a:solidFill>
@@ -6571,7 +6936,7 @@
           <a:blip r:embed="rId4" cstate="print">
             <a:extLst>
               <a:ext uri="{28A0092B-C50C-407E-A947-70E740481C1C}">
-                <a14:useLocalDpi xmlns="" xmlns:a14="http://schemas.microsoft.com/office/drawing/2010/main" val="0"/>
+                <a14:useLocalDpi xmlns:a14="http://schemas.microsoft.com/office/drawing/2010/main" xmlns="" val="0"/>
               </a:ext>
             </a:extLst>
           </a:blip>
@@ -6589,7 +6954,7 @@
           <a:noFill/>
           <a:extLst>
             <a:ext uri="{909E8E84-426E-40DD-AFC4-6F175D3DCCD1}">
-              <a14:hiddenFill xmlns="" xmlns:a14="http://schemas.microsoft.com/office/drawing/2010/main">
+              <a14:hiddenFill xmlns:a14="http://schemas.microsoft.com/office/drawing/2010/main" xmlns="">
                 <a:solidFill>
                   <a:srgbClr val="FFFFFF"/>
                 </a:solidFill>
@@ -6842,7 +7207,7 @@
   <p:clrMapOvr>
     <a:masterClrMapping/>
   </p:clrMapOvr>
-  <p:transition advTm="18315"/>
+  <p:transition advTm="12370"/>
   <p:timing>
     <p:tnLst>
       <p:par>
@@ -7344,8 +7709,8 @@
         </p:nvSpPr>
         <p:spPr>
           <a:xfrm>
-            <a:off x="1259632" y="2564904"/>
-            <a:ext cx="3672408" cy="792088"/>
+            <a:off x="1259632" y="2636912"/>
+            <a:ext cx="3672408" cy="648072"/>
           </a:xfrm>
           <a:prstGeom prst="rect">
             <a:avLst/>
@@ -7622,8 +7987,8 @@
         </p:nvSpPr>
         <p:spPr>
           <a:xfrm>
-            <a:off x="2915816" y="3789040"/>
-            <a:ext cx="3672408" cy="792088"/>
+            <a:off x="2915816" y="3861048"/>
+            <a:ext cx="3672408" cy="540000"/>
           </a:xfrm>
           <a:prstGeom prst="rect">
             <a:avLst/>
@@ -7834,6 +8199,194 @@
           </a:fontRef>
         </p:style>
       </p:cxnSp>
+      <p:sp>
+        <p:nvSpPr>
+          <p:cNvPr id="21" name="矩形 20"/>
+          <p:cNvSpPr/>
+          <p:nvPr/>
+        </p:nvSpPr>
+        <p:spPr>
+          <a:xfrm>
+            <a:off x="2915816" y="3249040"/>
+            <a:ext cx="3672408" cy="540000"/>
+          </a:xfrm>
+          <a:prstGeom prst="rect">
+            <a:avLst/>
+          </a:prstGeom>
+          <a:noFill/>
+          <a:ln w="57150">
+            <a:solidFill>
+              <a:srgbClr val="FF0000"/>
+            </a:solidFill>
+          </a:ln>
+        </p:spPr>
+        <p:style>
+          <a:lnRef idx="2">
+            <a:schemeClr val="accent4"/>
+          </a:lnRef>
+          <a:fillRef idx="1">
+            <a:schemeClr val="lt1"/>
+          </a:fillRef>
+          <a:effectRef idx="0">
+            <a:schemeClr val="accent4"/>
+          </a:effectRef>
+          <a:fontRef idx="minor">
+            <a:schemeClr val="dk1"/>
+          </a:fontRef>
+        </p:style>
+        <p:txBody>
+          <a:bodyPr rtlCol="0" anchor="ctr"/>
+          <a:lstStyle/>
+          <a:p>
+            <a:pPr algn="ctr"/>
+            <a:endParaRPr lang="zh-TW" altLang="en-US"/>
+          </a:p>
+        </p:txBody>
+      </p:sp>
+      <p:pic>
+        <p:nvPicPr>
+          <p:cNvPr id="5122" name="Picture 2"/>
+          <p:cNvPicPr>
+            <a:picLocks noChangeAspect="1" noChangeArrowheads="1"/>
+          </p:cNvPicPr>
+          <p:nvPr/>
+        </p:nvPicPr>
+        <p:blipFill>
+          <a:blip r:embed="rId9" cstate="print"/>
+          <a:srcRect/>
+          <a:stretch>
+            <a:fillRect/>
+          </a:stretch>
+        </p:blipFill>
+        <p:spPr bwMode="auto">
+          <a:xfrm>
+            <a:off x="3059832" y="2204864"/>
+            <a:ext cx="3482975" cy="2438400"/>
+          </a:xfrm>
+          <a:prstGeom prst="rect">
+            <a:avLst/>
+          </a:prstGeom>
+          <a:noFill/>
+          <a:ln w="9525">
+            <a:noFill/>
+            <a:miter lim="800000"/>
+            <a:headEnd/>
+            <a:tailEnd/>
+          </a:ln>
+        </p:spPr>
+      </p:pic>
+      <p:sp>
+        <p:nvSpPr>
+          <p:cNvPr id="22" name="矩形 21"/>
+          <p:cNvSpPr/>
+          <p:nvPr/>
+        </p:nvSpPr>
+        <p:spPr>
+          <a:xfrm>
+            <a:off x="3203848" y="2348880"/>
+            <a:ext cx="3168352" cy="432048"/>
+          </a:xfrm>
+          <a:prstGeom prst="rect">
+            <a:avLst/>
+          </a:prstGeom>
+          <a:noFill/>
+          <a:ln w="57150">
+            <a:solidFill>
+              <a:srgbClr val="FF0000"/>
+            </a:solidFill>
+          </a:ln>
+        </p:spPr>
+        <p:style>
+          <a:lnRef idx="2">
+            <a:schemeClr val="accent4"/>
+          </a:lnRef>
+          <a:fillRef idx="1">
+            <a:schemeClr val="lt1"/>
+          </a:fillRef>
+          <a:effectRef idx="0">
+            <a:schemeClr val="accent4"/>
+          </a:effectRef>
+          <a:fontRef idx="minor">
+            <a:schemeClr val="dk1"/>
+          </a:fontRef>
+        </p:style>
+        <p:txBody>
+          <a:bodyPr rtlCol="0" anchor="ctr"/>
+          <a:lstStyle/>
+          <a:p>
+            <a:pPr algn="ctr"/>
+            <a:endParaRPr lang="zh-TW" altLang="en-US"/>
+          </a:p>
+        </p:txBody>
+      </p:sp>
+      <p:pic>
+        <p:nvPicPr>
+          <p:cNvPr id="5123" name="Picture 3"/>
+          <p:cNvPicPr>
+            <a:picLocks noChangeAspect="1" noChangeArrowheads="1"/>
+          </p:cNvPicPr>
+          <p:nvPr/>
+        </p:nvPicPr>
+        <p:blipFill>
+          <a:blip r:embed="rId10" cstate="print"/>
+          <a:srcRect/>
+          <a:stretch>
+            <a:fillRect/>
+          </a:stretch>
+        </p:blipFill>
+        <p:spPr bwMode="auto">
+          <a:xfrm>
+            <a:off x="3707904" y="3356992"/>
+            <a:ext cx="2347913" cy="2492375"/>
+          </a:xfrm>
+          <a:prstGeom prst="rect">
+            <a:avLst/>
+          </a:prstGeom>
+          <a:noFill/>
+          <a:ln w="9525">
+            <a:noFill/>
+            <a:miter lim="800000"/>
+            <a:headEnd/>
+            <a:tailEnd/>
+          </a:ln>
+        </p:spPr>
+      </p:pic>
+      <p:cxnSp>
+        <p:nvCxnSpPr>
+          <p:cNvPr id="23" name="直線單箭頭接點 22"/>
+          <p:cNvCxnSpPr/>
+          <p:nvPr/>
+        </p:nvCxnSpPr>
+        <p:spPr>
+          <a:xfrm rot="16200000" flipH="1">
+            <a:off x="4391980" y="3032956"/>
+            <a:ext cx="936104" cy="0"/>
+          </a:xfrm>
+          <a:prstGeom prst="straightConnector1">
+            <a:avLst/>
+          </a:prstGeom>
+          <a:ln w="57150">
+            <a:solidFill>
+              <a:srgbClr val="FF0000"/>
+            </a:solidFill>
+            <a:tailEnd type="arrow"/>
+          </a:ln>
+        </p:spPr>
+        <p:style>
+          <a:lnRef idx="1">
+            <a:schemeClr val="accent1"/>
+          </a:lnRef>
+          <a:fillRef idx="0">
+            <a:schemeClr val="accent1"/>
+          </a:fillRef>
+          <a:effectRef idx="0">
+            <a:schemeClr val="accent1"/>
+          </a:effectRef>
+          <a:fontRef idx="minor">
+            <a:schemeClr val="tx1"/>
+          </a:fontRef>
+        </p:style>
+      </p:cxnSp>
     </p:spTree>
     <p:custDataLst>
       <p:tags r:id="rId1"/>
@@ -8726,6 +9279,472 @@
                                         <p:cTn id="81" dur="500"/>
                                         <p:tgtEl>
                                           <p:spTgt spid="1033"/>
+                                        </p:tgtEl>
+                                      </p:cBhvr>
+                                    </p:animEffect>
+                                  </p:childTnLst>
+                                </p:cTn>
+                              </p:par>
+                            </p:childTnLst>
+                          </p:cTn>
+                        </p:par>
+                      </p:childTnLst>
+                    </p:cTn>
+                  </p:par>
+                  <p:par>
+                    <p:cTn id="82" fill="hold">
+                      <p:stCondLst>
+                        <p:cond delay="indefinite"/>
+                      </p:stCondLst>
+                      <p:childTnLst>
+                        <p:par>
+                          <p:cTn id="83" fill="hold">
+                            <p:stCondLst>
+                              <p:cond delay="0"/>
+                            </p:stCondLst>
+                            <p:childTnLst>
+                              <p:par>
+                                <p:cTn id="84" presetID="10" presetClass="exit" presetSubtype="0" fill="hold" nodeType="clickEffect">
+                                  <p:stCondLst>
+                                    <p:cond delay="0"/>
+                                  </p:stCondLst>
+                                  <p:childTnLst>
+                                    <p:animEffect transition="out" filter="fade">
+                                      <p:cBhvr>
+                                        <p:cTn id="85" dur="500"/>
+                                        <p:tgtEl>
+                                          <p:spTgt spid="1033"/>
+                                        </p:tgtEl>
+                                      </p:cBhvr>
+                                    </p:animEffect>
+                                    <p:set>
+                                      <p:cBhvr>
+                                        <p:cTn id="86" dur="1" fill="hold">
+                                          <p:stCondLst>
+                                            <p:cond delay="499"/>
+                                          </p:stCondLst>
+                                        </p:cTn>
+                                        <p:tgtEl>
+                                          <p:spTgt spid="1033"/>
+                                        </p:tgtEl>
+                                        <p:attrNameLst>
+                                          <p:attrName>style.visibility</p:attrName>
+                                        </p:attrNameLst>
+                                      </p:cBhvr>
+                                      <p:to>
+                                        <p:strVal val="hidden"/>
+                                      </p:to>
+                                    </p:set>
+                                  </p:childTnLst>
+                                </p:cTn>
+                              </p:par>
+                              <p:par>
+                                <p:cTn id="87" presetID="10" presetClass="exit" presetSubtype="0" fill="hold" nodeType="withEffect">
+                                  <p:stCondLst>
+                                    <p:cond delay="0"/>
+                                  </p:stCondLst>
+                                  <p:childTnLst>
+                                    <p:animEffect transition="out" filter="fade">
+                                      <p:cBhvr>
+                                        <p:cTn id="88" dur="500"/>
+                                        <p:tgtEl>
+                                          <p:spTgt spid="25"/>
+                                        </p:tgtEl>
+                                      </p:cBhvr>
+                                    </p:animEffect>
+                                    <p:set>
+                                      <p:cBhvr>
+                                        <p:cTn id="89" dur="1" fill="hold">
+                                          <p:stCondLst>
+                                            <p:cond delay="499"/>
+                                          </p:stCondLst>
+                                        </p:cTn>
+                                        <p:tgtEl>
+                                          <p:spTgt spid="25"/>
+                                        </p:tgtEl>
+                                        <p:attrNameLst>
+                                          <p:attrName>style.visibility</p:attrName>
+                                        </p:attrNameLst>
+                                      </p:cBhvr>
+                                      <p:to>
+                                        <p:strVal val="hidden"/>
+                                      </p:to>
+                                    </p:set>
+                                  </p:childTnLst>
+                                </p:cTn>
+                              </p:par>
+                              <p:par>
+                                <p:cTn id="90" presetID="10" presetClass="exit" presetSubtype="0" fill="hold" nodeType="withEffect">
+                                  <p:stCondLst>
+                                    <p:cond delay="0"/>
+                                  </p:stCondLst>
+                                  <p:childTnLst>
+                                    <p:animEffect transition="out" filter="fade">
+                                      <p:cBhvr>
+                                        <p:cTn id="91" dur="500"/>
+                                        <p:tgtEl>
+                                          <p:spTgt spid="1031"/>
+                                        </p:tgtEl>
+                                      </p:cBhvr>
+                                    </p:animEffect>
+                                    <p:set>
+                                      <p:cBhvr>
+                                        <p:cTn id="92" dur="1" fill="hold">
+                                          <p:stCondLst>
+                                            <p:cond delay="499"/>
+                                          </p:stCondLst>
+                                        </p:cTn>
+                                        <p:tgtEl>
+                                          <p:spTgt spid="1031"/>
+                                        </p:tgtEl>
+                                        <p:attrNameLst>
+                                          <p:attrName>style.visibility</p:attrName>
+                                        </p:attrNameLst>
+                                      </p:cBhvr>
+                                      <p:to>
+                                        <p:strVal val="hidden"/>
+                                      </p:to>
+                                    </p:set>
+                                  </p:childTnLst>
+                                </p:cTn>
+                              </p:par>
+                              <p:par>
+                                <p:cTn id="93" presetID="10" presetClass="exit" presetSubtype="0" fill="hold" grpId="2" nodeType="withEffect">
+                                  <p:stCondLst>
+                                    <p:cond delay="0"/>
+                                  </p:stCondLst>
+                                  <p:childTnLst>
+                                    <p:animEffect transition="out" filter="fade">
+                                      <p:cBhvr>
+                                        <p:cTn id="94" dur="500"/>
+                                        <p:tgtEl>
+                                          <p:spTgt spid="24"/>
+                                        </p:tgtEl>
+                                      </p:cBhvr>
+                                    </p:animEffect>
+                                    <p:set>
+                                      <p:cBhvr>
+                                        <p:cTn id="95" dur="1" fill="hold">
+                                          <p:stCondLst>
+                                            <p:cond delay="499"/>
+                                          </p:stCondLst>
+                                        </p:cTn>
+                                        <p:tgtEl>
+                                          <p:spTgt spid="24"/>
+                                        </p:tgtEl>
+                                        <p:attrNameLst>
+                                          <p:attrName>style.visibility</p:attrName>
+                                        </p:attrNameLst>
+                                      </p:cBhvr>
+                                      <p:to>
+                                        <p:strVal val="hidden"/>
+                                      </p:to>
+                                    </p:set>
+                                  </p:childTnLst>
+                                </p:cTn>
+                              </p:par>
+                              <p:par>
+                                <p:cTn id="96" presetID="10" presetClass="exit" presetSubtype="0" fill="hold" grpId="0" nodeType="withEffect">
+                                  <p:stCondLst>
+                                    <p:cond delay="0"/>
+                                  </p:stCondLst>
+                                  <p:childTnLst>
+                                    <p:animEffect transition="out" filter="fade">
+                                      <p:cBhvr>
+                                        <p:cTn id="97" dur="500"/>
+                                        <p:tgtEl>
+                                          <p:spTgt spid="19"/>
+                                        </p:tgtEl>
+                                      </p:cBhvr>
+                                    </p:animEffect>
+                                    <p:set>
+                                      <p:cBhvr>
+                                        <p:cTn id="98" dur="1" fill="hold">
+                                          <p:stCondLst>
+                                            <p:cond delay="499"/>
+                                          </p:stCondLst>
+                                        </p:cTn>
+                                        <p:tgtEl>
+                                          <p:spTgt spid="19"/>
+                                        </p:tgtEl>
+                                        <p:attrNameLst>
+                                          <p:attrName>style.visibility</p:attrName>
+                                        </p:attrNameLst>
+                                      </p:cBhvr>
+                                      <p:to>
+                                        <p:strVal val="hidden"/>
+                                      </p:to>
+                                    </p:set>
+                                  </p:childTnLst>
+                                </p:cTn>
+                              </p:par>
+                              <p:par>
+                                <p:cTn id="99" presetID="10" presetClass="exit" presetSubtype="0" fill="hold" nodeType="withEffect">
+                                  <p:stCondLst>
+                                    <p:cond delay="0"/>
+                                  </p:stCondLst>
+                                  <p:childTnLst>
+                                    <p:animEffect transition="out" filter="fade">
+                                      <p:cBhvr>
+                                        <p:cTn id="100" dur="500"/>
+                                        <p:tgtEl>
+                                          <p:spTgt spid="1030"/>
+                                        </p:tgtEl>
+                                      </p:cBhvr>
+                                    </p:animEffect>
+                                    <p:set>
+                                      <p:cBhvr>
+                                        <p:cTn id="101" dur="1" fill="hold">
+                                          <p:stCondLst>
+                                            <p:cond delay="499"/>
+                                          </p:stCondLst>
+                                        </p:cTn>
+                                        <p:tgtEl>
+                                          <p:spTgt spid="1030"/>
+                                        </p:tgtEl>
+                                        <p:attrNameLst>
+                                          <p:attrName>style.visibility</p:attrName>
+                                        </p:attrNameLst>
+                                      </p:cBhvr>
+                                      <p:to>
+                                        <p:strVal val="hidden"/>
+                                      </p:to>
+                                    </p:set>
+                                  </p:childTnLst>
+                                </p:cTn>
+                              </p:par>
+                            </p:childTnLst>
+                          </p:cTn>
+                        </p:par>
+                        <p:par>
+                          <p:cTn id="102" fill="hold">
+                            <p:stCondLst>
+                              <p:cond delay="500"/>
+                            </p:stCondLst>
+                            <p:childTnLst>
+                              <p:par>
+                                <p:cTn id="103" presetID="10" presetClass="entr" presetSubtype="0" fill="hold" grpId="0" nodeType="afterEffect">
+                                  <p:stCondLst>
+                                    <p:cond delay="0"/>
+                                  </p:stCondLst>
+                                  <p:childTnLst>
+                                    <p:set>
+                                      <p:cBhvr>
+                                        <p:cTn id="104" dur="1" fill="hold">
+                                          <p:stCondLst>
+                                            <p:cond delay="0"/>
+                                          </p:stCondLst>
+                                        </p:cTn>
+                                        <p:tgtEl>
+                                          <p:spTgt spid="21"/>
+                                        </p:tgtEl>
+                                        <p:attrNameLst>
+                                          <p:attrName>style.visibility</p:attrName>
+                                        </p:attrNameLst>
+                                      </p:cBhvr>
+                                      <p:to>
+                                        <p:strVal val="visible"/>
+                                      </p:to>
+                                    </p:set>
+                                    <p:animEffect transition="in" filter="fade">
+                                      <p:cBhvr>
+                                        <p:cTn id="105" dur="500"/>
+                                        <p:tgtEl>
+                                          <p:spTgt spid="21"/>
+                                        </p:tgtEl>
+                                      </p:cBhvr>
+                                    </p:animEffect>
+                                  </p:childTnLst>
+                                </p:cTn>
+                              </p:par>
+                            </p:childTnLst>
+                          </p:cTn>
+                        </p:par>
+                      </p:childTnLst>
+                    </p:cTn>
+                  </p:par>
+                  <p:par>
+                    <p:cTn id="106" fill="hold">
+                      <p:stCondLst>
+                        <p:cond delay="indefinite"/>
+                      </p:stCondLst>
+                      <p:childTnLst>
+                        <p:par>
+                          <p:cTn id="107" fill="hold">
+                            <p:stCondLst>
+                              <p:cond delay="0"/>
+                            </p:stCondLst>
+                            <p:childTnLst>
+                              <p:par>
+                                <p:cTn id="108" presetID="10" presetClass="entr" presetSubtype="0" fill="hold" nodeType="clickEffect">
+                                  <p:stCondLst>
+                                    <p:cond delay="0"/>
+                                  </p:stCondLst>
+                                  <p:childTnLst>
+                                    <p:set>
+                                      <p:cBhvr>
+                                        <p:cTn id="109" dur="1" fill="hold">
+                                          <p:stCondLst>
+                                            <p:cond delay="0"/>
+                                          </p:stCondLst>
+                                        </p:cTn>
+                                        <p:tgtEl>
+                                          <p:spTgt spid="5122"/>
+                                        </p:tgtEl>
+                                        <p:attrNameLst>
+                                          <p:attrName>style.visibility</p:attrName>
+                                        </p:attrNameLst>
+                                      </p:cBhvr>
+                                      <p:to>
+                                        <p:strVal val="visible"/>
+                                      </p:to>
+                                    </p:set>
+                                    <p:animEffect transition="in" filter="fade">
+                                      <p:cBhvr>
+                                        <p:cTn id="110" dur="500"/>
+                                        <p:tgtEl>
+                                          <p:spTgt spid="5122"/>
+                                        </p:tgtEl>
+                                      </p:cBhvr>
+                                    </p:animEffect>
+                                  </p:childTnLst>
+                                </p:cTn>
+                              </p:par>
+                            </p:childTnLst>
+                          </p:cTn>
+                        </p:par>
+                      </p:childTnLst>
+                    </p:cTn>
+                  </p:par>
+                  <p:par>
+                    <p:cTn id="111" fill="hold">
+                      <p:stCondLst>
+                        <p:cond delay="indefinite"/>
+                      </p:stCondLst>
+                      <p:childTnLst>
+                        <p:par>
+                          <p:cTn id="112" fill="hold">
+                            <p:stCondLst>
+                              <p:cond delay="0"/>
+                            </p:stCondLst>
+                            <p:childTnLst>
+                              <p:par>
+                                <p:cTn id="113" presetID="10" presetClass="entr" presetSubtype="0" fill="hold" nodeType="clickEffect">
+                                  <p:stCondLst>
+                                    <p:cond delay="0"/>
+                                  </p:stCondLst>
+                                  <p:childTnLst>
+                                    <p:set>
+                                      <p:cBhvr>
+                                        <p:cTn id="114" dur="1" fill="hold">
+                                          <p:stCondLst>
+                                            <p:cond delay="0"/>
+                                          </p:stCondLst>
+                                        </p:cTn>
+                                        <p:tgtEl>
+                                          <p:spTgt spid="22"/>
+                                        </p:tgtEl>
+                                        <p:attrNameLst>
+                                          <p:attrName>style.visibility</p:attrName>
+                                        </p:attrNameLst>
+                                      </p:cBhvr>
+                                      <p:to>
+                                        <p:strVal val="visible"/>
+                                      </p:to>
+                                    </p:set>
+                                    <p:animEffect transition="in" filter="fade">
+                                      <p:cBhvr>
+                                        <p:cTn id="115" dur="500"/>
+                                        <p:tgtEl>
+                                          <p:spTgt spid="22"/>
+                                        </p:tgtEl>
+                                      </p:cBhvr>
+                                    </p:animEffect>
+                                  </p:childTnLst>
+                                </p:cTn>
+                              </p:par>
+                            </p:childTnLst>
+                          </p:cTn>
+                        </p:par>
+                        <p:par>
+                          <p:cTn id="116" fill="hold">
+                            <p:stCondLst>
+                              <p:cond delay="500"/>
+                            </p:stCondLst>
+                            <p:childTnLst>
+                              <p:par>
+                                <p:cTn id="117" presetID="10" presetClass="entr" presetSubtype="0" fill="hold" nodeType="afterEffect">
+                                  <p:stCondLst>
+                                    <p:cond delay="0"/>
+                                  </p:stCondLst>
+                                  <p:childTnLst>
+                                    <p:set>
+                                      <p:cBhvr>
+                                        <p:cTn id="118" dur="1" fill="hold">
+                                          <p:stCondLst>
+                                            <p:cond delay="0"/>
+                                          </p:stCondLst>
+                                        </p:cTn>
+                                        <p:tgtEl>
+                                          <p:spTgt spid="23"/>
+                                        </p:tgtEl>
+                                        <p:attrNameLst>
+                                          <p:attrName>style.visibility</p:attrName>
+                                        </p:attrNameLst>
+                                      </p:cBhvr>
+                                      <p:to>
+                                        <p:strVal val="visible"/>
+                                      </p:to>
+                                    </p:set>
+                                    <p:animEffect transition="in" filter="fade">
+                                      <p:cBhvr>
+                                        <p:cTn id="119" dur="500"/>
+                                        <p:tgtEl>
+                                          <p:spTgt spid="23"/>
+                                        </p:tgtEl>
+                                      </p:cBhvr>
+                                    </p:animEffect>
+                                  </p:childTnLst>
+                                </p:cTn>
+                              </p:par>
+                            </p:childTnLst>
+                          </p:cTn>
+                        </p:par>
+                        <p:par>
+                          <p:cTn id="120" fill="hold">
+                            <p:stCondLst>
+                              <p:cond delay="1000"/>
+                            </p:stCondLst>
+                            <p:childTnLst>
+                              <p:par>
+                                <p:cTn id="121" presetID="10" presetClass="entr" presetSubtype="0" fill="hold" nodeType="afterEffect">
+                                  <p:stCondLst>
+                                    <p:cond delay="0"/>
+                                  </p:stCondLst>
+                                  <p:childTnLst>
+                                    <p:set>
+                                      <p:cBhvr>
+                                        <p:cTn id="122" dur="1" fill="hold">
+                                          <p:stCondLst>
+                                            <p:cond delay="0"/>
+                                          </p:stCondLst>
+                                        </p:cTn>
+                                        <p:tgtEl>
+                                          <p:spTgt spid="5123"/>
+                                        </p:tgtEl>
+                                        <p:attrNameLst>
+                                          <p:attrName>style.visibility</p:attrName>
+                                        </p:attrNameLst>
+                                      </p:cBhvr>
+                                      <p:to>
+                                        <p:strVal val="visible"/>
+                                      </p:to>
+                                    </p:set>
+                                    <p:animEffect transition="in" filter="fade">
+                                      <p:cBhvr>
+                                        <p:cTn id="123" dur="500"/>
+                                        <p:tgtEl>
+                                          <p:spTgt spid="5123"/>
                                         </p:tgtEl>
                                       </p:cBhvr>
                                     </p:animEffect>
@@ -8770,6 +9789,8 @@
       <p:bldP spid="19" grpId="0" animBg="1"/>
       <p:bldP spid="24" grpId="0" animBg="1"/>
       <p:bldP spid="24" grpId="1" animBg="1"/>
+      <p:bldP spid="24" grpId="2" animBg="1"/>
+      <p:bldP spid="21" grpId="0" animBg="1"/>
     </p:bldLst>
   </p:timing>
 </p:sld>
@@ -8804,7 +9825,7 @@
           <a:blip r:embed="rId3" cstate="print">
             <a:extLst>
               <a:ext uri="{28A0092B-C50C-407E-A947-70E740481C1C}">
-                <a14:useLocalDpi xmlns="" xmlns:a14="http://schemas.microsoft.com/office/drawing/2010/main" val="0"/>
+                <a14:useLocalDpi xmlns:a14="http://schemas.microsoft.com/office/drawing/2010/main" xmlns="" val="0"/>
               </a:ext>
             </a:extLst>
           </a:blip>
@@ -8827,14 +9848,14 @@
           </a:ln>
           <a:extLst>
             <a:ext uri="{909E8E84-426E-40DD-AFC4-6F175D3DCCD1}">
-              <a14:hiddenFill xmlns="" xmlns:a14="http://schemas.microsoft.com/office/drawing/2010/main">
+              <a14:hiddenFill xmlns:a14="http://schemas.microsoft.com/office/drawing/2010/main" xmlns="">
                 <a:solidFill>
                   <a:schemeClr val="accent1"/>
                 </a:solidFill>
               </a14:hiddenFill>
             </a:ext>
             <a:ext uri="{91240B29-F687-4F45-9708-019B960494DF}">
-              <a14:hiddenLine xmlns="" xmlns:a14="http://schemas.microsoft.com/office/drawing/2010/main" w="9525">
+              <a14:hiddenLine xmlns:a14="http://schemas.microsoft.com/office/drawing/2010/main" xmlns="" w="9525">
                 <a:solidFill>
                   <a:schemeClr val="tx1"/>
                 </a:solidFill>
@@ -8975,7 +9996,7 @@
           <a:blip r:embed="rId4" cstate="print">
             <a:extLst>
               <a:ext uri="{28A0092B-C50C-407E-A947-70E740481C1C}">
-                <a14:useLocalDpi xmlns="" xmlns:a14="http://schemas.microsoft.com/office/drawing/2010/main" val="0"/>
+                <a14:useLocalDpi xmlns:a14="http://schemas.microsoft.com/office/drawing/2010/main" xmlns="" val="0"/>
               </a:ext>
             </a:extLst>
           </a:blip>
@@ -8998,14 +10019,14 @@
           </a:ln>
           <a:extLst>
             <a:ext uri="{909E8E84-426E-40DD-AFC4-6F175D3DCCD1}">
-              <a14:hiddenFill xmlns="" xmlns:a14="http://schemas.microsoft.com/office/drawing/2010/main">
+              <a14:hiddenFill xmlns:a14="http://schemas.microsoft.com/office/drawing/2010/main" xmlns="">
                 <a:solidFill>
                   <a:schemeClr val="accent1"/>
                 </a:solidFill>
               </a14:hiddenFill>
             </a:ext>
             <a:ext uri="{91240B29-F687-4F45-9708-019B960494DF}">
-              <a14:hiddenLine xmlns="" xmlns:a14="http://schemas.microsoft.com/office/drawing/2010/main" w="9525">
+              <a14:hiddenLine xmlns:a14="http://schemas.microsoft.com/office/drawing/2010/main" xmlns="" w="9525">
                 <a:solidFill>
                   <a:schemeClr val="tx1"/>
                 </a:solidFill>
@@ -9029,7 +10050,7 @@
           <a:blip r:embed="rId5" cstate="print">
             <a:extLst>
               <a:ext uri="{28A0092B-C50C-407E-A947-70E740481C1C}">
-                <a14:useLocalDpi xmlns="" xmlns:a14="http://schemas.microsoft.com/office/drawing/2010/main" val="0"/>
+                <a14:useLocalDpi xmlns:a14="http://schemas.microsoft.com/office/drawing/2010/main" xmlns="" val="0"/>
               </a:ext>
             </a:extLst>
           </a:blip>
@@ -9050,14 +10071,14 @@
           </a:ln>
           <a:extLst>
             <a:ext uri="{909E8E84-426E-40DD-AFC4-6F175D3DCCD1}">
-              <a14:hiddenFill xmlns="" xmlns:a14="http://schemas.microsoft.com/office/drawing/2010/main">
+              <a14:hiddenFill xmlns:a14="http://schemas.microsoft.com/office/drawing/2010/main" xmlns="">
                 <a:solidFill>
                   <a:schemeClr val="accent1"/>
                 </a:solidFill>
               </a14:hiddenFill>
             </a:ext>
             <a:ext uri="{91240B29-F687-4F45-9708-019B960494DF}">
-              <a14:hiddenLine xmlns="" xmlns:a14="http://schemas.microsoft.com/office/drawing/2010/main" w="9525">
+              <a14:hiddenLine xmlns:a14="http://schemas.microsoft.com/office/drawing/2010/main" xmlns="" w="9525">
                 <a:solidFill>
                   <a:schemeClr val="tx1"/>
                 </a:solidFill>
@@ -9650,7 +10671,7 @@
           <a:blip r:embed="rId3" cstate="print">
             <a:extLst>
               <a:ext uri="{28A0092B-C50C-407E-A947-70E740481C1C}">
-                <a14:useLocalDpi xmlns="" xmlns:a14="http://schemas.microsoft.com/office/drawing/2010/main" val="0"/>
+                <a14:useLocalDpi xmlns:a14="http://schemas.microsoft.com/office/drawing/2010/main" xmlns="" val="0"/>
               </a:ext>
             </a:extLst>
           </a:blip>
@@ -9673,14 +10694,14 @@
           </a:ln>
           <a:extLst>
             <a:ext uri="{909E8E84-426E-40DD-AFC4-6F175D3DCCD1}">
-              <a14:hiddenFill xmlns="" xmlns:a14="http://schemas.microsoft.com/office/drawing/2010/main">
+              <a14:hiddenFill xmlns:a14="http://schemas.microsoft.com/office/drawing/2010/main" xmlns="">
                 <a:solidFill>
                   <a:schemeClr val="accent1"/>
                 </a:solidFill>
               </a14:hiddenFill>
             </a:ext>
             <a:ext uri="{91240B29-F687-4F45-9708-019B960494DF}">
-              <a14:hiddenLine xmlns="" xmlns:a14="http://schemas.microsoft.com/office/drawing/2010/main" w="9525">
+              <a14:hiddenLine xmlns:a14="http://schemas.microsoft.com/office/drawing/2010/main" xmlns="" w="9525">
                 <a:solidFill>
                   <a:schemeClr val="tx1"/>
                 </a:solidFill>
@@ -10180,7 +11201,7 @@
       </p:sp>
       <p:pic>
         <p:nvPicPr>
-          <p:cNvPr id="3081" name="Picture 9"/>
+          <p:cNvPr id="3073" name="Picture 1"/>
           <p:cNvPicPr>
             <a:picLocks noChangeAspect="1" noChangeArrowheads="1"/>
           </p:cNvPicPr>
@@ -10194,9 +11215,9 @@
           </a:stretch>
         </p:blipFill>
         <p:spPr bwMode="auto">
-          <a:xfrm>
-            <a:off x="683568" y="1628800"/>
-            <a:ext cx="2743200" cy="4572000"/>
+          <a:xfrm rot="5400000">
+            <a:off x="-454158" y="2694518"/>
+            <a:ext cx="4608512" cy="2765108"/>
           </a:xfrm>
           <a:prstGeom prst="rect">
             <a:avLst/>
@@ -11388,7 +12409,7 @@
                                           </p:stCondLst>
                                         </p:cTn>
                                         <p:tgtEl>
-                                          <p:spTgt spid="3081"/>
+                                          <p:spTgt spid="3073"/>
                                         </p:tgtEl>
                                         <p:attrNameLst>
                                           <p:attrName>style.visibility</p:attrName>
@@ -11402,7 +12423,7 @@
                                       <p:cBhvr>
                                         <p:cTn id="106" dur="500"/>
                                         <p:tgtEl>
-                                          <p:spTgt spid="3081"/>
+                                          <p:spTgt spid="3073"/>
                                         </p:tgtEl>
                                       </p:cBhvr>
                                     </p:animEffect>
@@ -11453,25 +12474,25 @@
 
 <file path=ppt/tags/tag1.xml><?xml version="1.0" encoding="utf-8"?>
 <p:tagLst xmlns:a="http://schemas.openxmlformats.org/drawingml/2006/main" xmlns:r="http://schemas.openxmlformats.org/officeDocument/2006/relationships" xmlns:p="http://schemas.openxmlformats.org/presentationml/2006/main">
-  <p:tag name="TIMING" val="|2.8|2.2|5.2"/>
+  <p:tag name="TIMING" val="|3.1|4.2|4.6"/>
 </p:tagLst>
 </file>
 
 <file path=ppt/tags/tag2.xml><?xml version="1.0" encoding="utf-8"?>
 <p:tagLst xmlns:a="http://schemas.openxmlformats.org/drawingml/2006/main" xmlns:r="http://schemas.openxmlformats.org/officeDocument/2006/relationships" xmlns:p="http://schemas.openxmlformats.org/presentationml/2006/main">
-  <p:tag name="TIMING" val="|3.4|1.4|10.6|8.1"/>
+  <p:tag name="TIMING" val="|4.1|3|12.9|6.3|2.4|4.6|1.3"/>
 </p:tagLst>
 </file>
 
 <file path=ppt/tags/tag3.xml><?xml version="1.0" encoding="utf-8"?>
 <p:tagLst xmlns:a="http://schemas.openxmlformats.org/drawingml/2006/main" xmlns:r="http://schemas.openxmlformats.org/officeDocument/2006/relationships" xmlns:p="http://schemas.openxmlformats.org/presentationml/2006/main">
-  <p:tag name="TIMING" val="|6.2|2|3.4|2.3|1.1"/>
+  <p:tag name="TIMING" val="|2.4|2.9|3.1|1.3|1.6"/>
 </p:tagLst>
 </file>
 
 <file path=ppt/tags/tag4.xml><?xml version="1.0" encoding="utf-8"?>
 <p:tagLst xmlns:a="http://schemas.openxmlformats.org/drawingml/2006/main" xmlns:r="http://schemas.openxmlformats.org/officeDocument/2006/relationships" xmlns:p="http://schemas.openxmlformats.org/presentationml/2006/main">
-  <p:tag name="TIMING" val="|2.6|3.8|2.8|2.4|2.9"/>
+  <p:tag name="TIMING" val="|3.6|3.7|5.1|5.4|9.6"/>
 </p:tagLst>
 </file>
 

--- a/比賽當天資料/Money Time_比賽.pptx
+++ b/比賽當天資料/Money Time_比賽.pptx
@@ -204,7 +204,7 @@
             <a:fld id="{541F7201-2AE5-46AC-9D29-9B4241522064}" type="datetimeFigureOut">
               <a:rPr lang="zh-TW" altLang="en-US" smtClean="0"/>
               <a:pPr/>
-              <a:t>2013/11/7</a:t>
+              <a:t>2013/11/8</a:t>
             </a:fld>
             <a:endParaRPr lang="zh-TW" altLang="en-US"/>
           </a:p>
@@ -280,7 +280,7 @@
     </p:spTree>
     <p:extLst>
       <p:ext uri="{BB962C8B-B14F-4D97-AF65-F5344CB8AC3E}">
-        <p14:creationId xmlns:p14="http://schemas.microsoft.com/office/powerpoint/2010/main" xmlns="" val="1546526523"/>
+        <p14:creationId xmlns="" xmlns:p14="http://schemas.microsoft.com/office/powerpoint/2010/main" val="1546526523"/>
       </p:ext>
     </p:extLst>
   </p:cSld>
@@ -947,7 +947,7 @@
             <a:fld id="{FB18DEE5-9340-46CD-B38E-E67C1368EC5A}" type="datetimeFigureOut">
               <a:rPr lang="zh-TW" altLang="en-US" smtClean="0"/>
               <a:pPr/>
-              <a:t>2013/11/7</a:t>
+              <a:t>2013/11/8</a:t>
             </a:fld>
             <a:endParaRPr lang="zh-TW" altLang="en-US"/>
           </a:p>
@@ -1132,7 +1132,7 @@
             <a:fld id="{FB18DEE5-9340-46CD-B38E-E67C1368EC5A}" type="datetimeFigureOut">
               <a:rPr lang="zh-TW" altLang="en-US" smtClean="0"/>
               <a:pPr/>
-              <a:t>2013/11/7</a:t>
+              <a:t>2013/11/8</a:t>
             </a:fld>
             <a:endParaRPr lang="zh-TW" altLang="en-US"/>
           </a:p>
@@ -1309,7 +1309,7 @@
             <a:fld id="{FB18DEE5-9340-46CD-B38E-E67C1368EC5A}" type="datetimeFigureOut">
               <a:rPr lang="zh-TW" altLang="en-US" smtClean="0"/>
               <a:pPr/>
-              <a:t>2013/11/7</a:t>
+              <a:t>2013/11/8</a:t>
             </a:fld>
             <a:endParaRPr lang="zh-TW" altLang="en-US"/>
           </a:p>
@@ -1476,7 +1476,7 @@
             <a:fld id="{FB18DEE5-9340-46CD-B38E-E67C1368EC5A}" type="datetimeFigureOut">
               <a:rPr lang="zh-TW" altLang="en-US" smtClean="0"/>
               <a:pPr/>
-              <a:t>2013/11/7</a:t>
+              <a:t>2013/11/8</a:t>
             </a:fld>
             <a:endParaRPr lang="zh-TW" altLang="en-US"/>
           </a:p>
@@ -1699,7 +1699,7 @@
             <a:fld id="{FB18DEE5-9340-46CD-B38E-E67C1368EC5A}" type="datetimeFigureOut">
               <a:rPr lang="zh-TW" altLang="en-US" smtClean="0"/>
               <a:pPr/>
-              <a:t>2013/11/7</a:t>
+              <a:t>2013/11/8</a:t>
             </a:fld>
             <a:endParaRPr lang="zh-TW" altLang="en-US"/>
           </a:p>
@@ -1960,7 +1960,7 @@
             <a:fld id="{FB18DEE5-9340-46CD-B38E-E67C1368EC5A}" type="datetimeFigureOut">
               <a:rPr lang="zh-TW" altLang="en-US" smtClean="0"/>
               <a:pPr/>
-              <a:t>2013/11/7</a:t>
+              <a:t>2013/11/8</a:t>
             </a:fld>
             <a:endParaRPr lang="zh-TW" altLang="en-US"/>
           </a:p>
@@ -2366,7 +2366,7 @@
             <a:fld id="{FB18DEE5-9340-46CD-B38E-E67C1368EC5A}" type="datetimeFigureOut">
               <a:rPr lang="zh-TW" altLang="en-US" smtClean="0"/>
               <a:pPr/>
-              <a:t>2013/11/7</a:t>
+              <a:t>2013/11/8</a:t>
             </a:fld>
             <a:endParaRPr lang="zh-TW" altLang="en-US"/>
           </a:p>
@@ -2499,7 +2499,7 @@
             <a:fld id="{FB18DEE5-9340-46CD-B38E-E67C1368EC5A}" type="datetimeFigureOut">
               <a:rPr lang="zh-TW" altLang="en-US" smtClean="0"/>
               <a:pPr/>
-              <a:t>2013/11/7</a:t>
+              <a:t>2013/11/8</a:t>
             </a:fld>
             <a:endParaRPr lang="zh-TW" altLang="en-US"/>
           </a:p>
@@ -2601,7 +2601,7 @@
             <a:fld id="{FB18DEE5-9340-46CD-B38E-E67C1368EC5A}" type="datetimeFigureOut">
               <a:rPr lang="zh-TW" altLang="en-US" smtClean="0"/>
               <a:pPr/>
-              <a:t>2013/11/7</a:t>
+              <a:t>2013/11/8</a:t>
             </a:fld>
             <a:endParaRPr lang="zh-TW" altLang="en-US"/>
           </a:p>
@@ -2848,7 +2848,7 @@
             <a:fld id="{FB18DEE5-9340-46CD-B38E-E67C1368EC5A}" type="datetimeFigureOut">
               <a:rPr lang="zh-TW" altLang="en-US" smtClean="0"/>
               <a:pPr/>
-              <a:t>2013/11/7</a:t>
+              <a:t>2013/11/8</a:t>
             </a:fld>
             <a:endParaRPr lang="zh-TW" altLang="en-US"/>
           </a:p>
@@ -3094,7 +3094,7 @@
             <a:fld id="{FB18DEE5-9340-46CD-B38E-E67C1368EC5A}" type="datetimeFigureOut">
               <a:rPr lang="zh-TW" altLang="en-US" smtClean="0"/>
               <a:pPr/>
-              <a:t>2013/11/7</a:t>
+              <a:t>2013/11/8</a:t>
             </a:fld>
             <a:endParaRPr lang="zh-TW" altLang="en-US"/>
           </a:p>
@@ -3920,7 +3920,7 @@
             <a:fld id="{FB18DEE5-9340-46CD-B38E-E67C1368EC5A}" type="datetimeFigureOut">
               <a:rPr lang="zh-TW" altLang="en-US" smtClean="0"/>
               <a:pPr/>
-              <a:t>2013/11/7</a:t>
+              <a:t>2013/11/8</a:t>
             </a:fld>
             <a:endParaRPr lang="zh-TW" altLang="en-US"/>
           </a:p>
@@ -4548,7 +4548,7 @@
     </p:spTree>
     <p:extLst>
       <p:ext uri="{BB962C8B-B14F-4D97-AF65-F5344CB8AC3E}">
-        <p14:creationId xmlns:p14="http://schemas.microsoft.com/office/powerpoint/2010/main" xmlns="" val="1275733625"/>
+        <p14:creationId xmlns="" xmlns:p14="http://schemas.microsoft.com/office/powerpoint/2010/main" val="1275733625"/>
       </p:ext>
     </p:extLst>
   </p:cSld>
@@ -4771,11 +4771,7 @@
           <a:p>
             <a:r>
               <a:rPr lang="zh-TW" altLang="en-US" sz="5400" dirty="0" smtClean="0"/>
-              <a:t>感謝各位評審</a:t>
-            </a:r>
-            <a:r>
-              <a:rPr lang="zh-TW" altLang="en-US" sz="5400" dirty="0" smtClean="0"/>
-              <a:t>聆聽</a:t>
+              <a:t>感謝各位評審聆聽</a:t>
             </a:r>
             <a:endParaRPr lang="zh-TW" altLang="en-US" sz="5400" dirty="0"/>
           </a:p>
@@ -5037,10 +5033,6 @@
               </a:rPr>
               <a:t>Q&amp;A</a:t>
             </a:r>
-            <a:endParaRPr lang="en-US" altLang="zh-TW" dirty="0" smtClean="0">
-              <a:latin typeface="Adobe 黑体 Std R" pitchFamily="34" charset="-128"/>
-              <a:ea typeface="Adobe 黑体 Std R" pitchFamily="34" charset="-128"/>
-            </a:endParaRPr>
           </a:p>
           <a:p>
             <a:pPr marL="624078" indent="-514350">
@@ -5174,14 +5166,7 @@
                 <a:latin typeface="+mj-ea"/>
                 <a:ea typeface="+mj-ea"/>
               </a:rPr>
-              <a:t>財政部推廣電子發票載</a:t>
-            </a:r>
-            <a:r>
-              <a:rPr lang="zh-TW" altLang="en-US" dirty="0" smtClean="0">
-                <a:latin typeface="+mj-ea"/>
-                <a:ea typeface="+mj-ea"/>
-              </a:rPr>
-              <a:t>具</a:t>
+              <a:t>財政部推廣電子發票載具</a:t>
             </a:r>
             <a:endParaRPr lang="en-US" altLang="zh-TW" dirty="0" smtClean="0">
               <a:latin typeface="+mj-ea"/>
@@ -5247,14 +5232,7 @@
                 <a:latin typeface="+mj-ea"/>
                 <a:ea typeface="+mj-ea"/>
               </a:rPr>
-              <a:t>結合以上特點，實現一個簡潔快速的帳務</a:t>
-            </a:r>
-            <a:r>
-              <a:rPr lang="zh-TW" altLang="en-US" dirty="0" smtClean="0">
-                <a:latin typeface="+mj-ea"/>
-                <a:ea typeface="+mj-ea"/>
-              </a:rPr>
-              <a:t>管理</a:t>
+              <a:t>結合以上特點，實現一個簡潔快速的帳務管理</a:t>
             </a:r>
             <a:endParaRPr lang="en-US" altLang="zh-TW" dirty="0" smtClean="0">
               <a:latin typeface="+mj-ea"/>
@@ -6590,14 +6568,7 @@
                 <a:latin typeface="+mj-ea"/>
                 <a:ea typeface="+mj-ea"/>
               </a:rPr>
-              <a:t>載</a:t>
-            </a:r>
-            <a:r>
-              <a:rPr lang="zh-TW" altLang="en-US" dirty="0" smtClean="0">
-                <a:latin typeface="+mj-ea"/>
-                <a:ea typeface="+mj-ea"/>
-              </a:rPr>
-              <a:t>具登入</a:t>
+              <a:t>載具登入</a:t>
             </a:r>
             <a:endParaRPr lang="en-US" altLang="zh-TW" dirty="0" smtClean="0">
               <a:latin typeface="+mj-ea"/>
@@ -6789,10 +6760,10 @@
           <p:nvPr/>
         </p:nvPicPr>
         <p:blipFill>
-          <a:blip r:embed="rId3" cstate="print">
+          <a:blip r:embed="rId2" cstate="print">
             <a:extLst>
               <a:ext uri="{28A0092B-C50C-407E-A947-70E740481C1C}">
-                <a14:useLocalDpi xmlns:a14="http://schemas.microsoft.com/office/drawing/2010/main" xmlns="" val="0"/>
+                <a14:useLocalDpi xmlns="" xmlns:a14="http://schemas.microsoft.com/office/drawing/2010/main" val="0"/>
               </a:ext>
             </a:extLst>
           </a:blip>
@@ -6815,14 +6786,14 @@
           </a:ln>
           <a:extLst>
             <a:ext uri="{909E8E84-426E-40DD-AFC4-6F175D3DCCD1}">
-              <a14:hiddenFill xmlns:a14="http://schemas.microsoft.com/office/drawing/2010/main" xmlns="">
+              <a14:hiddenFill xmlns="" xmlns:a14="http://schemas.microsoft.com/office/drawing/2010/main">
                 <a:solidFill>
                   <a:schemeClr val="accent1"/>
                 </a:solidFill>
               </a14:hiddenFill>
             </a:ext>
             <a:ext uri="{91240B29-F687-4F45-9708-019B960494DF}">
-              <a14:hiddenLine xmlns:a14="http://schemas.microsoft.com/office/drawing/2010/main" xmlns="" w="9525">
+              <a14:hiddenLine xmlns="" xmlns:a14="http://schemas.microsoft.com/office/drawing/2010/main" w="9525">
                 <a:solidFill>
                   <a:schemeClr val="tx1"/>
                 </a:solidFill>
@@ -6933,10 +6904,10 @@
           <p:nvPr/>
         </p:nvPicPr>
         <p:blipFill rotWithShape="1">
-          <a:blip r:embed="rId4" cstate="print">
+          <a:blip r:embed="rId3" cstate="print">
             <a:extLst>
               <a:ext uri="{28A0092B-C50C-407E-A947-70E740481C1C}">
-                <a14:useLocalDpi xmlns:a14="http://schemas.microsoft.com/office/drawing/2010/main" xmlns="" val="0"/>
+                <a14:useLocalDpi xmlns="" xmlns:a14="http://schemas.microsoft.com/office/drawing/2010/main" val="0"/>
               </a:ext>
             </a:extLst>
           </a:blip>
@@ -6954,7 +6925,7 @@
           <a:noFill/>
           <a:extLst>
             <a:ext uri="{909E8E84-426E-40DD-AFC4-6F175D3DCCD1}">
-              <a14:hiddenFill xmlns:a14="http://schemas.microsoft.com/office/drawing/2010/main" xmlns="">
+              <a14:hiddenFill xmlns="" xmlns:a14="http://schemas.microsoft.com/office/drawing/2010/main">
                 <a:solidFill>
                   <a:srgbClr val="FFFFFF"/>
                 </a:solidFill>
@@ -7104,7 +7075,7 @@
           <p:nvPr/>
         </p:nvPicPr>
         <p:blipFill>
-          <a:blip r:embed="rId5" cstate="print"/>
+          <a:blip r:embed="rId4" cstate="print"/>
           <a:srcRect/>
           <a:stretch>
             <a:fillRect/>
@@ -7200,9 +7171,6 @@
         </p:style>
       </p:cxnSp>
     </p:spTree>
-    <p:custDataLst>
-      <p:tags r:id="rId1"/>
-    </p:custDataLst>
   </p:cSld>
   <p:clrMapOvr>
     <a:masterClrMapping/>
@@ -7847,6 +7815,50 @@
       </p:pic>
       <p:sp>
         <p:nvSpPr>
+          <p:cNvPr id="26" name="矩形 25"/>
+          <p:cNvSpPr/>
+          <p:nvPr/>
+        </p:nvSpPr>
+        <p:spPr>
+          <a:xfrm>
+            <a:off x="2928926" y="3857628"/>
+            <a:ext cx="3636000" cy="540000"/>
+          </a:xfrm>
+          <a:prstGeom prst="rect">
+            <a:avLst/>
+          </a:prstGeom>
+          <a:noFill/>
+          <a:ln w="57150">
+            <a:solidFill>
+              <a:srgbClr val="FF0000"/>
+            </a:solidFill>
+          </a:ln>
+        </p:spPr>
+        <p:style>
+          <a:lnRef idx="2">
+            <a:schemeClr val="accent4"/>
+          </a:lnRef>
+          <a:fillRef idx="1">
+            <a:schemeClr val="lt1"/>
+          </a:fillRef>
+          <a:effectRef idx="0">
+            <a:schemeClr val="accent4"/>
+          </a:effectRef>
+          <a:fontRef idx="minor">
+            <a:schemeClr val="dk1"/>
+          </a:fontRef>
+        </p:style>
+        <p:txBody>
+          <a:bodyPr rtlCol="0" anchor="ctr"/>
+          <a:lstStyle/>
+          <a:p>
+            <a:pPr algn="ctr"/>
+            <a:endParaRPr lang="zh-TW" altLang="en-US"/>
+          </a:p>
+        </p:txBody>
+      </p:sp>
+      <p:sp>
+        <p:nvSpPr>
           <p:cNvPr id="13" name="矩形 12"/>
           <p:cNvSpPr/>
           <p:nvPr/>
@@ -7898,7 +7910,7 @@
         <p:spPr>
           <a:xfrm>
             <a:off x="6804248" y="2060848"/>
-            <a:ext cx="2160240" cy="461665"/>
+            <a:ext cx="2196000" cy="461665"/>
           </a:xfrm>
           <a:prstGeom prst="rect">
             <a:avLst/>
@@ -7979,53 +7991,9 @@
           </a:fontRef>
         </p:style>
       </p:cxnSp>
-      <p:sp>
-        <p:nvSpPr>
-          <p:cNvPr id="19" name="矩形 18"/>
-          <p:cNvSpPr/>
-          <p:nvPr/>
-        </p:nvSpPr>
-        <p:spPr>
-          <a:xfrm>
-            <a:off x="2915816" y="3861048"/>
-            <a:ext cx="3672408" cy="540000"/>
-          </a:xfrm>
-          <a:prstGeom prst="rect">
-            <a:avLst/>
-          </a:prstGeom>
-          <a:noFill/>
-          <a:ln w="57150">
-            <a:solidFill>
-              <a:srgbClr val="FF0000"/>
-            </a:solidFill>
-          </a:ln>
-        </p:spPr>
-        <p:style>
-          <a:lnRef idx="2">
-            <a:schemeClr val="accent4"/>
-          </a:lnRef>
-          <a:fillRef idx="1">
-            <a:schemeClr val="lt1"/>
-          </a:fillRef>
-          <a:effectRef idx="0">
-            <a:schemeClr val="accent4"/>
-          </a:effectRef>
-          <a:fontRef idx="minor">
-            <a:schemeClr val="dk1"/>
-          </a:fontRef>
-        </p:style>
-        <p:txBody>
-          <a:bodyPr rtlCol="0" anchor="ctr"/>
-          <a:lstStyle/>
-          <a:p>
-            <a:pPr algn="ctr"/>
-            <a:endParaRPr lang="zh-TW" altLang="en-US"/>
-          </a:p>
-        </p:txBody>
-      </p:sp>
       <p:pic>
         <p:nvPicPr>
-          <p:cNvPr id="1030" name="Picture 6"/>
+          <p:cNvPr id="1031" name="Picture 7"/>
           <p:cNvPicPr>
             <a:picLocks noChangeAspect="1" noChangeArrowheads="1"/>
           </p:cNvPicPr>
@@ -8040,8 +8008,8 @@
         </p:blipFill>
         <p:spPr bwMode="auto">
           <a:xfrm>
-            <a:off x="3491880" y="1628800"/>
-            <a:ext cx="2645306" cy="3600000"/>
+            <a:off x="3419872" y="1124744"/>
+            <a:ext cx="2880000" cy="645517"/>
           </a:xfrm>
           <a:prstGeom prst="rect">
             <a:avLst/>
@@ -8057,7 +8025,7 @@
       </p:pic>
       <p:pic>
         <p:nvPicPr>
-          <p:cNvPr id="1031" name="Picture 7"/>
+          <p:cNvPr id="1030" name="Picture 6"/>
           <p:cNvPicPr>
             <a:picLocks noChangeAspect="1" noChangeArrowheads="1"/>
           </p:cNvPicPr>
@@ -8072,8 +8040,8 @@
         </p:blipFill>
         <p:spPr bwMode="auto">
           <a:xfrm>
-            <a:off x="3419872" y="1124744"/>
-            <a:ext cx="2880000" cy="645517"/>
+            <a:off x="3500430" y="1714488"/>
+            <a:ext cx="2645306" cy="3600000"/>
           </a:xfrm>
           <a:prstGeom prst="rect">
             <a:avLst/>
@@ -8104,7 +8072,7 @@
         </p:blipFill>
         <p:spPr bwMode="auto">
           <a:xfrm>
-            <a:off x="3419872" y="1916832"/>
+            <a:off x="3428992" y="1928802"/>
             <a:ext cx="2880000" cy="4140896"/>
           </a:xfrm>
           <a:prstGeom prst="rect">
@@ -8336,7 +8304,7 @@
         </p:blipFill>
         <p:spPr bwMode="auto">
           <a:xfrm>
-            <a:off x="3707904" y="3356992"/>
+            <a:off x="3714744" y="3357562"/>
             <a:ext cx="2347913" cy="2492375"/>
           </a:xfrm>
           <a:prstGeom prst="rect">
@@ -9009,7 +8977,7 @@
                                           </p:stCondLst>
                                         </p:cTn>
                                         <p:tgtEl>
-                                          <p:spTgt spid="19"/>
+                                          <p:spTgt spid="26"/>
                                         </p:tgtEl>
                                         <p:attrNameLst>
                                           <p:attrName>style.visibility</p:attrName>
@@ -9023,51 +8991,7 @@
                                       <p:cBhvr>
                                         <p:cTn id="58" dur="500"/>
                                         <p:tgtEl>
-                                          <p:spTgt spid="19"/>
-                                        </p:tgtEl>
-                                      </p:cBhvr>
-                                    </p:animEffect>
-                                  </p:childTnLst>
-                                </p:cTn>
-                              </p:par>
-                            </p:childTnLst>
-                          </p:cTn>
-                        </p:par>
-                        <p:par>
-                          <p:cTn id="59" fill="hold">
-                            <p:stCondLst>
-                              <p:cond delay="1000"/>
-                            </p:stCondLst>
-                            <p:childTnLst>
-                              <p:par>
-                                <p:cTn id="60" presetID="10" presetClass="entr" presetSubtype="0" fill="hold" nodeType="afterEffect">
-                                  <p:stCondLst>
-                                    <p:cond delay="0"/>
-                                  </p:stCondLst>
-                                  <p:childTnLst>
-                                    <p:set>
-                                      <p:cBhvr>
-                                        <p:cTn id="61" dur="1" fill="hold">
-                                          <p:stCondLst>
-                                            <p:cond delay="0"/>
-                                          </p:stCondLst>
-                                        </p:cTn>
-                                        <p:tgtEl>
-                                          <p:spTgt spid="1030"/>
-                                        </p:tgtEl>
-                                        <p:attrNameLst>
-                                          <p:attrName>style.visibility</p:attrName>
-                                        </p:attrNameLst>
-                                      </p:cBhvr>
-                                      <p:to>
-                                        <p:strVal val="visible"/>
-                                      </p:to>
-                                    </p:set>
-                                    <p:animEffect transition="in" filter="fade">
-                                      <p:cBhvr>
-                                        <p:cTn id="62" dur="500"/>
-                                        <p:tgtEl>
-                                          <p:spTgt spid="1030"/>
+                                          <p:spTgt spid="26"/>
                                         </p:tgtEl>
                                       </p:cBhvr>
                                     </p:animEffect>
@@ -9081,32 +9005,32 @@
                     </p:cTn>
                   </p:par>
                   <p:par>
-                    <p:cTn id="63" fill="hold">
+                    <p:cTn id="59" fill="hold">
                       <p:stCondLst>
                         <p:cond delay="indefinite"/>
                       </p:stCondLst>
                       <p:childTnLst>
                         <p:par>
-                          <p:cTn id="64" fill="hold">
+                          <p:cTn id="60" fill="hold">
                             <p:stCondLst>
                               <p:cond delay="0"/>
                             </p:stCondLst>
                             <p:childTnLst>
                               <p:par>
-                                <p:cTn id="65" presetID="10" presetClass="entr" presetSubtype="0" fill="hold" nodeType="clickEffect">
+                                <p:cTn id="61" presetID="10" presetClass="entr" presetSubtype="0" fill="hold" nodeType="clickEffect">
                                   <p:stCondLst>
                                     <p:cond delay="0"/>
                                   </p:stCondLst>
                                   <p:childTnLst>
                                     <p:set>
                                       <p:cBhvr>
-                                        <p:cTn id="66" dur="1" fill="hold">
+                                        <p:cTn id="62" dur="1" fill="hold">
                                           <p:stCondLst>
                                             <p:cond delay="0"/>
                                           </p:stCondLst>
                                         </p:cTn>
                                         <p:tgtEl>
-                                          <p:spTgt spid="1031"/>
+                                          <p:spTgt spid="1030"/>
                                         </p:tgtEl>
                                         <p:attrNameLst>
                                           <p:attrName>style.visibility</p:attrName>
@@ -9118,167 +9042,9 @@
                                     </p:set>
                                     <p:animEffect transition="in" filter="fade">
                                       <p:cBhvr>
-                                        <p:cTn id="67" dur="500"/>
-                                        <p:tgtEl>
-                                          <p:spTgt spid="1031"/>
-                                        </p:tgtEl>
-                                      </p:cBhvr>
-                                    </p:animEffect>
-                                  </p:childTnLst>
-                                </p:cTn>
-                              </p:par>
-                            </p:childTnLst>
-                          </p:cTn>
-                        </p:par>
-                        <p:par>
-                          <p:cTn id="68" fill="hold">
-                            <p:stCondLst>
-                              <p:cond delay="500"/>
-                            </p:stCondLst>
-                            <p:childTnLst>
-                              <p:par>
-                                <p:cTn id="69" presetID="10" presetClass="entr" presetSubtype="0" fill="hold" grpId="0" nodeType="afterEffect">
-                                  <p:stCondLst>
-                                    <p:cond delay="0"/>
-                                  </p:stCondLst>
-                                  <p:childTnLst>
-                                    <p:set>
-                                      <p:cBhvr>
-                                        <p:cTn id="70" dur="1" fill="hold">
-                                          <p:stCondLst>
-                                            <p:cond delay="0"/>
-                                          </p:stCondLst>
-                                        </p:cTn>
-                                        <p:tgtEl>
-                                          <p:spTgt spid="24"/>
-                                        </p:tgtEl>
-                                        <p:attrNameLst>
-                                          <p:attrName>style.visibility</p:attrName>
-                                        </p:attrNameLst>
-                                      </p:cBhvr>
-                                      <p:to>
-                                        <p:strVal val="visible"/>
-                                      </p:to>
-                                    </p:set>
-                                    <p:animEffect transition="in" filter="fade">
-                                      <p:cBhvr>
-                                        <p:cTn id="71" dur="500"/>
-                                        <p:tgtEl>
-                                          <p:spTgt spid="24"/>
-                                        </p:tgtEl>
-                                      </p:cBhvr>
-                                    </p:animEffect>
-                                  </p:childTnLst>
-                                </p:cTn>
-                              </p:par>
-                              <p:par>
-                                <p:cTn id="72" presetID="10" presetClass="entr" presetSubtype="0" fill="hold" grpId="1" nodeType="withEffect">
-                                  <p:stCondLst>
-                                    <p:cond delay="0"/>
-                                  </p:stCondLst>
-                                  <p:childTnLst>
-                                    <p:set>
-                                      <p:cBhvr>
-                                        <p:cTn id="73" dur="1" fill="hold">
-                                          <p:stCondLst>
-                                            <p:cond delay="0"/>
-                                          </p:stCondLst>
-                                        </p:cTn>
-                                        <p:tgtEl>
-                                          <p:spTgt spid="24"/>
-                                        </p:tgtEl>
-                                        <p:attrNameLst>
-                                          <p:attrName>style.visibility</p:attrName>
-                                        </p:attrNameLst>
-                                      </p:cBhvr>
-                                      <p:to>
-                                        <p:strVal val="visible"/>
-                                      </p:to>
-                                    </p:set>
-                                    <p:animEffect transition="in" filter="fade">
-                                      <p:cBhvr>
-                                        <p:cTn id="74" dur="500"/>
-                                        <p:tgtEl>
-                                          <p:spTgt spid="24"/>
-                                        </p:tgtEl>
-                                      </p:cBhvr>
-                                    </p:animEffect>
-                                  </p:childTnLst>
-                                </p:cTn>
-                              </p:par>
-                              <p:par>
-                                <p:cTn id="75" presetID="10" presetClass="entr" presetSubtype="0" fill="hold" nodeType="withEffect">
-                                  <p:stCondLst>
-                                    <p:cond delay="0"/>
-                                  </p:stCondLst>
-                                  <p:childTnLst>
-                                    <p:set>
-                                      <p:cBhvr>
-                                        <p:cTn id="76" dur="1" fill="hold">
-                                          <p:stCondLst>
-                                            <p:cond delay="0"/>
-                                          </p:stCondLst>
-                                        </p:cTn>
-                                        <p:tgtEl>
-                                          <p:spTgt spid="25"/>
-                                        </p:tgtEl>
-                                        <p:attrNameLst>
-                                          <p:attrName>style.visibility</p:attrName>
-                                        </p:attrNameLst>
-                                      </p:cBhvr>
-                                      <p:to>
-                                        <p:strVal val="visible"/>
-                                      </p:to>
-                                    </p:set>
-                                    <p:animEffect transition="in" filter="fade">
-                                      <p:cBhvr>
-                                        <p:cTn id="77" dur="500"/>
-                                        <p:tgtEl>
-                                          <p:spTgt spid="25"/>
-                                        </p:tgtEl>
-                                      </p:cBhvr>
-                                    </p:animEffect>
-                                  </p:childTnLst>
-                                </p:cTn>
-                              </p:par>
-                            </p:childTnLst>
-                          </p:cTn>
-                        </p:par>
-                        <p:par>
-                          <p:cTn id="78" fill="hold">
-                            <p:stCondLst>
-                              <p:cond delay="1000"/>
-                            </p:stCondLst>
-                            <p:childTnLst>
-                              <p:par>
-                                <p:cTn id="79" presetID="10" presetClass="entr" presetSubtype="0" fill="hold" nodeType="afterEffect">
-                                  <p:stCondLst>
-                                    <p:cond delay="0"/>
-                                  </p:stCondLst>
-                                  <p:childTnLst>
-                                    <p:set>
-                                      <p:cBhvr>
-                                        <p:cTn id="80" dur="1" fill="hold">
-                                          <p:stCondLst>
-                                            <p:cond delay="0"/>
-                                          </p:stCondLst>
-                                        </p:cTn>
-                                        <p:tgtEl>
-                                          <p:spTgt spid="1033"/>
-                                        </p:tgtEl>
-                                        <p:attrNameLst>
-                                          <p:attrName>style.visibility</p:attrName>
-                                        </p:attrNameLst>
-                                      </p:cBhvr>
-                                      <p:to>
-                                        <p:strVal val="visible"/>
-                                      </p:to>
-                                    </p:set>
-                                    <p:animEffect transition="in" filter="fade">
-                                      <p:cBhvr>
-                                        <p:cTn id="81" dur="500"/>
-                                        <p:tgtEl>
-                                          <p:spTgt spid="1033"/>
+                                        <p:cTn id="63" dur="500"/>
+                                        <p:tgtEl>
+                                          <p:spTgt spid="1030"/>
                                         </p:tgtEl>
                                       </p:cBhvr>
                                     </p:animEffect>
@@ -9292,26 +9058,237 @@
                     </p:cTn>
                   </p:par>
                   <p:par>
-                    <p:cTn id="82" fill="hold">
+                    <p:cTn id="64" fill="hold">
                       <p:stCondLst>
                         <p:cond delay="indefinite"/>
                       </p:stCondLst>
                       <p:childTnLst>
                         <p:par>
-                          <p:cTn id="83" fill="hold">
+                          <p:cTn id="65" fill="hold">
                             <p:stCondLst>
                               <p:cond delay="0"/>
                             </p:stCondLst>
                             <p:childTnLst>
                               <p:par>
-                                <p:cTn id="84" presetID="10" presetClass="exit" presetSubtype="0" fill="hold" nodeType="clickEffect">
+                                <p:cTn id="66" presetID="10" presetClass="entr" presetSubtype="0" fill="hold" nodeType="clickEffect">
+                                  <p:stCondLst>
+                                    <p:cond delay="0"/>
+                                  </p:stCondLst>
+                                  <p:childTnLst>
+                                    <p:set>
+                                      <p:cBhvr>
+                                        <p:cTn id="67" dur="1" fill="hold">
+                                          <p:stCondLst>
+                                            <p:cond delay="0"/>
+                                          </p:stCondLst>
+                                        </p:cTn>
+                                        <p:tgtEl>
+                                          <p:spTgt spid="1031"/>
+                                        </p:tgtEl>
+                                        <p:attrNameLst>
+                                          <p:attrName>style.visibility</p:attrName>
+                                        </p:attrNameLst>
+                                      </p:cBhvr>
+                                      <p:to>
+                                        <p:strVal val="visible"/>
+                                      </p:to>
+                                    </p:set>
+                                    <p:animEffect transition="in" filter="fade">
+                                      <p:cBhvr>
+                                        <p:cTn id="68" dur="500"/>
+                                        <p:tgtEl>
+                                          <p:spTgt spid="1031"/>
+                                        </p:tgtEl>
+                                      </p:cBhvr>
+                                    </p:animEffect>
+                                  </p:childTnLst>
+                                </p:cTn>
+                              </p:par>
+                            </p:childTnLst>
+                          </p:cTn>
+                        </p:par>
+                        <p:par>
+                          <p:cTn id="69" fill="hold">
+                            <p:stCondLst>
+                              <p:cond delay="500"/>
+                            </p:stCondLst>
+                            <p:childTnLst>
+                              <p:par>
+                                <p:cTn id="70" presetID="10" presetClass="entr" presetSubtype="0" fill="hold" grpId="0" nodeType="afterEffect">
+                                  <p:stCondLst>
+                                    <p:cond delay="0"/>
+                                  </p:stCondLst>
+                                  <p:childTnLst>
+                                    <p:set>
+                                      <p:cBhvr>
+                                        <p:cTn id="71" dur="1" fill="hold">
+                                          <p:stCondLst>
+                                            <p:cond delay="0"/>
+                                          </p:stCondLst>
+                                        </p:cTn>
+                                        <p:tgtEl>
+                                          <p:spTgt spid="24"/>
+                                        </p:tgtEl>
+                                        <p:attrNameLst>
+                                          <p:attrName>style.visibility</p:attrName>
+                                        </p:attrNameLst>
+                                      </p:cBhvr>
+                                      <p:to>
+                                        <p:strVal val="visible"/>
+                                      </p:to>
+                                    </p:set>
+                                    <p:animEffect transition="in" filter="fade">
+                                      <p:cBhvr>
+                                        <p:cTn id="72" dur="500"/>
+                                        <p:tgtEl>
+                                          <p:spTgt spid="24"/>
+                                        </p:tgtEl>
+                                      </p:cBhvr>
+                                    </p:animEffect>
+                                  </p:childTnLst>
+                                </p:cTn>
+                              </p:par>
+                              <p:par>
+                                <p:cTn id="73" presetID="10" presetClass="entr" presetSubtype="0" fill="hold" grpId="1" nodeType="withEffect">
+                                  <p:stCondLst>
+                                    <p:cond delay="0"/>
+                                  </p:stCondLst>
+                                  <p:childTnLst>
+                                    <p:set>
+                                      <p:cBhvr>
+                                        <p:cTn id="74" dur="1" fill="hold">
+                                          <p:stCondLst>
+                                            <p:cond delay="0"/>
+                                          </p:stCondLst>
+                                        </p:cTn>
+                                        <p:tgtEl>
+                                          <p:spTgt spid="24"/>
+                                        </p:tgtEl>
+                                        <p:attrNameLst>
+                                          <p:attrName>style.visibility</p:attrName>
+                                        </p:attrNameLst>
+                                      </p:cBhvr>
+                                      <p:to>
+                                        <p:strVal val="visible"/>
+                                      </p:to>
+                                    </p:set>
+                                    <p:animEffect transition="in" filter="fade">
+                                      <p:cBhvr>
+                                        <p:cTn id="75" dur="500"/>
+                                        <p:tgtEl>
+                                          <p:spTgt spid="24"/>
+                                        </p:tgtEl>
+                                      </p:cBhvr>
+                                    </p:animEffect>
+                                  </p:childTnLst>
+                                </p:cTn>
+                              </p:par>
+                              <p:par>
+                                <p:cTn id="76" presetID="10" presetClass="entr" presetSubtype="0" fill="hold" nodeType="withEffect">
+                                  <p:stCondLst>
+                                    <p:cond delay="0"/>
+                                  </p:stCondLst>
+                                  <p:childTnLst>
+                                    <p:set>
+                                      <p:cBhvr>
+                                        <p:cTn id="77" dur="1" fill="hold">
+                                          <p:stCondLst>
+                                            <p:cond delay="0"/>
+                                          </p:stCondLst>
+                                        </p:cTn>
+                                        <p:tgtEl>
+                                          <p:spTgt spid="25"/>
+                                        </p:tgtEl>
+                                        <p:attrNameLst>
+                                          <p:attrName>style.visibility</p:attrName>
+                                        </p:attrNameLst>
+                                      </p:cBhvr>
+                                      <p:to>
+                                        <p:strVal val="visible"/>
+                                      </p:to>
+                                    </p:set>
+                                    <p:animEffect transition="in" filter="fade">
+                                      <p:cBhvr>
+                                        <p:cTn id="78" dur="500"/>
+                                        <p:tgtEl>
+                                          <p:spTgt spid="25"/>
+                                        </p:tgtEl>
+                                      </p:cBhvr>
+                                    </p:animEffect>
+                                  </p:childTnLst>
+                                </p:cTn>
+                              </p:par>
+                            </p:childTnLst>
+                          </p:cTn>
+                        </p:par>
+                        <p:par>
+                          <p:cTn id="79" fill="hold">
+                            <p:stCondLst>
+                              <p:cond delay="1000"/>
+                            </p:stCondLst>
+                            <p:childTnLst>
+                              <p:par>
+                                <p:cTn id="80" presetID="10" presetClass="entr" presetSubtype="0" fill="hold" nodeType="afterEffect">
+                                  <p:stCondLst>
+                                    <p:cond delay="0"/>
+                                  </p:stCondLst>
+                                  <p:childTnLst>
+                                    <p:set>
+                                      <p:cBhvr>
+                                        <p:cTn id="81" dur="1" fill="hold">
+                                          <p:stCondLst>
+                                            <p:cond delay="0"/>
+                                          </p:stCondLst>
+                                        </p:cTn>
+                                        <p:tgtEl>
+                                          <p:spTgt spid="1033"/>
+                                        </p:tgtEl>
+                                        <p:attrNameLst>
+                                          <p:attrName>style.visibility</p:attrName>
+                                        </p:attrNameLst>
+                                      </p:cBhvr>
+                                      <p:to>
+                                        <p:strVal val="visible"/>
+                                      </p:to>
+                                    </p:set>
+                                    <p:animEffect transition="in" filter="fade">
+                                      <p:cBhvr>
+                                        <p:cTn id="82" dur="500"/>
+                                        <p:tgtEl>
+                                          <p:spTgt spid="1033"/>
+                                        </p:tgtEl>
+                                      </p:cBhvr>
+                                    </p:animEffect>
+                                  </p:childTnLst>
+                                </p:cTn>
+                              </p:par>
+                            </p:childTnLst>
+                          </p:cTn>
+                        </p:par>
+                      </p:childTnLst>
+                    </p:cTn>
+                  </p:par>
+                  <p:par>
+                    <p:cTn id="83" fill="hold">
+                      <p:stCondLst>
+                        <p:cond delay="indefinite"/>
+                      </p:stCondLst>
+                      <p:childTnLst>
+                        <p:par>
+                          <p:cTn id="84" fill="hold">
+                            <p:stCondLst>
+                              <p:cond delay="0"/>
+                            </p:stCondLst>
+                            <p:childTnLst>
+                              <p:par>
+                                <p:cTn id="85" presetID="10" presetClass="exit" presetSubtype="0" fill="hold" nodeType="clickEffect">
                                   <p:stCondLst>
                                     <p:cond delay="0"/>
                                   </p:stCondLst>
                                   <p:childTnLst>
                                     <p:animEffect transition="out" filter="fade">
                                       <p:cBhvr>
-                                        <p:cTn id="85" dur="500"/>
+                                        <p:cTn id="86" dur="500"/>
                                         <p:tgtEl>
                                           <p:spTgt spid="1033"/>
                                         </p:tgtEl>
@@ -9319,7 +9296,7 @@
                                     </p:animEffect>
                                     <p:set>
                                       <p:cBhvr>
-                                        <p:cTn id="86" dur="1" fill="hold">
+                                        <p:cTn id="87" dur="1" fill="hold">
                                           <p:stCondLst>
                                             <p:cond delay="499"/>
                                           </p:stCondLst>
@@ -9339,14 +9316,14 @@
                                 </p:cTn>
                               </p:par>
                               <p:par>
-                                <p:cTn id="87" presetID="10" presetClass="exit" presetSubtype="0" fill="hold" nodeType="withEffect">
+                                <p:cTn id="88" presetID="10" presetClass="exit" presetSubtype="0" fill="hold" nodeType="withEffect">
                                   <p:stCondLst>
                                     <p:cond delay="0"/>
                                   </p:stCondLst>
                                   <p:childTnLst>
                                     <p:animEffect transition="out" filter="fade">
                                       <p:cBhvr>
-                                        <p:cTn id="88" dur="500"/>
+                                        <p:cTn id="89" dur="500"/>
                                         <p:tgtEl>
                                           <p:spTgt spid="25"/>
                                         </p:tgtEl>
@@ -9354,7 +9331,7 @@
                                     </p:animEffect>
                                     <p:set>
                                       <p:cBhvr>
-                                        <p:cTn id="89" dur="1" fill="hold">
+                                        <p:cTn id="90" dur="1" fill="hold">
                                           <p:stCondLst>
                                             <p:cond delay="499"/>
                                           </p:stCondLst>
@@ -9374,14 +9351,14 @@
                                 </p:cTn>
                               </p:par>
                               <p:par>
-                                <p:cTn id="90" presetID="10" presetClass="exit" presetSubtype="0" fill="hold" nodeType="withEffect">
+                                <p:cTn id="91" presetID="10" presetClass="exit" presetSubtype="0" fill="hold" nodeType="withEffect">
                                   <p:stCondLst>
                                     <p:cond delay="0"/>
                                   </p:stCondLst>
                                   <p:childTnLst>
                                     <p:animEffect transition="out" filter="fade">
                                       <p:cBhvr>
-                                        <p:cTn id="91" dur="500"/>
+                                        <p:cTn id="92" dur="500"/>
                                         <p:tgtEl>
                                           <p:spTgt spid="1031"/>
                                         </p:tgtEl>
@@ -9389,7 +9366,7 @@
                                     </p:animEffect>
                                     <p:set>
                                       <p:cBhvr>
-                                        <p:cTn id="92" dur="1" fill="hold">
+                                        <p:cTn id="93" dur="1" fill="hold">
                                           <p:stCondLst>
                                             <p:cond delay="499"/>
                                           </p:stCondLst>
@@ -9409,14 +9386,14 @@
                                 </p:cTn>
                               </p:par>
                               <p:par>
-                                <p:cTn id="93" presetID="10" presetClass="exit" presetSubtype="0" fill="hold" grpId="2" nodeType="withEffect">
+                                <p:cTn id="94" presetID="10" presetClass="exit" presetSubtype="0" fill="hold" grpId="2" nodeType="withEffect">
                                   <p:stCondLst>
                                     <p:cond delay="0"/>
                                   </p:stCondLst>
                                   <p:childTnLst>
                                     <p:animEffect transition="out" filter="fade">
                                       <p:cBhvr>
-                                        <p:cTn id="94" dur="500"/>
+                                        <p:cTn id="95" dur="500"/>
                                         <p:tgtEl>
                                           <p:spTgt spid="24"/>
                                         </p:tgtEl>
@@ -9424,7 +9401,7 @@
                                     </p:animEffect>
                                     <p:set>
                                       <p:cBhvr>
-                                        <p:cTn id="95" dur="1" fill="hold">
+                                        <p:cTn id="96" dur="1" fill="hold">
                                           <p:stCondLst>
                                             <p:cond delay="499"/>
                                           </p:stCondLst>
@@ -9444,28 +9421,28 @@
                                 </p:cTn>
                               </p:par>
                               <p:par>
-                                <p:cTn id="96" presetID="10" presetClass="exit" presetSubtype="0" fill="hold" grpId="0" nodeType="withEffect">
+                                <p:cTn id="97" presetID="10" presetClass="exit" presetSubtype="0" fill="hold" nodeType="withEffect">
                                   <p:stCondLst>
                                     <p:cond delay="0"/>
                                   </p:stCondLst>
                                   <p:childTnLst>
                                     <p:animEffect transition="out" filter="fade">
                                       <p:cBhvr>
-                                        <p:cTn id="97" dur="500"/>
-                                        <p:tgtEl>
-                                          <p:spTgt spid="19"/>
+                                        <p:cTn id="98" dur="500"/>
+                                        <p:tgtEl>
+                                          <p:spTgt spid="1030"/>
                                         </p:tgtEl>
                                       </p:cBhvr>
                                     </p:animEffect>
                                     <p:set>
                                       <p:cBhvr>
-                                        <p:cTn id="98" dur="1" fill="hold">
+                                        <p:cTn id="99" dur="1" fill="hold">
                                           <p:stCondLst>
                                             <p:cond delay="499"/>
                                           </p:stCondLst>
                                         </p:cTn>
                                         <p:tgtEl>
-                                          <p:spTgt spid="19"/>
+                                          <p:spTgt spid="1030"/>
                                         </p:tgtEl>
                                         <p:attrNameLst>
                                           <p:attrName>style.visibility</p:attrName>
@@ -9479,28 +9456,28 @@
                                 </p:cTn>
                               </p:par>
                               <p:par>
-                                <p:cTn id="99" presetID="10" presetClass="exit" presetSubtype="0" fill="hold" nodeType="withEffect">
+                                <p:cTn id="100" presetID="10" presetClass="exit" presetSubtype="0" fill="hold" grpId="1" nodeType="withEffect">
                                   <p:stCondLst>
                                     <p:cond delay="0"/>
                                   </p:stCondLst>
                                   <p:childTnLst>
                                     <p:animEffect transition="out" filter="fade">
                                       <p:cBhvr>
-                                        <p:cTn id="100" dur="500"/>
-                                        <p:tgtEl>
-                                          <p:spTgt spid="1030"/>
+                                        <p:cTn id="101" dur="500"/>
+                                        <p:tgtEl>
+                                          <p:spTgt spid="26"/>
                                         </p:tgtEl>
                                       </p:cBhvr>
                                     </p:animEffect>
                                     <p:set>
                                       <p:cBhvr>
-                                        <p:cTn id="101" dur="1" fill="hold">
+                                        <p:cTn id="102" dur="1" fill="hold">
                                           <p:stCondLst>
                                             <p:cond delay="499"/>
                                           </p:stCondLst>
                                         </p:cTn>
                                         <p:tgtEl>
-                                          <p:spTgt spid="1030"/>
+                                          <p:spTgt spid="26"/>
                                         </p:tgtEl>
                                         <p:attrNameLst>
                                           <p:attrName>style.visibility</p:attrName>
@@ -9517,20 +9494,20 @@
                           </p:cTn>
                         </p:par>
                         <p:par>
-                          <p:cTn id="102" fill="hold">
+                          <p:cTn id="103" fill="hold">
                             <p:stCondLst>
                               <p:cond delay="500"/>
                             </p:stCondLst>
                             <p:childTnLst>
                               <p:par>
-                                <p:cTn id="103" presetID="10" presetClass="entr" presetSubtype="0" fill="hold" grpId="0" nodeType="afterEffect">
+                                <p:cTn id="104" presetID="10" presetClass="entr" presetSubtype="0" fill="hold" grpId="0" nodeType="afterEffect">
                                   <p:stCondLst>
                                     <p:cond delay="0"/>
                                   </p:stCondLst>
                                   <p:childTnLst>
                                     <p:set>
                                       <p:cBhvr>
-                                        <p:cTn id="104" dur="1" fill="hold">
+                                        <p:cTn id="105" dur="1" fill="hold">
                                           <p:stCondLst>
                                             <p:cond delay="0"/>
                                           </p:stCondLst>
@@ -9548,7 +9525,7 @@
                                     </p:set>
                                     <p:animEffect transition="in" filter="fade">
                                       <p:cBhvr>
-                                        <p:cTn id="105" dur="500"/>
+                                        <p:cTn id="106" dur="500"/>
                                         <p:tgtEl>
                                           <p:spTgt spid="21"/>
                                         </p:tgtEl>
@@ -9564,26 +9541,26 @@
                     </p:cTn>
                   </p:par>
                   <p:par>
-                    <p:cTn id="106" fill="hold">
+                    <p:cTn id="107" fill="hold">
                       <p:stCondLst>
                         <p:cond delay="indefinite"/>
                       </p:stCondLst>
                       <p:childTnLst>
                         <p:par>
-                          <p:cTn id="107" fill="hold">
+                          <p:cTn id="108" fill="hold">
                             <p:stCondLst>
                               <p:cond delay="0"/>
                             </p:stCondLst>
                             <p:childTnLst>
                               <p:par>
-                                <p:cTn id="108" presetID="10" presetClass="entr" presetSubtype="0" fill="hold" nodeType="clickEffect">
+                                <p:cTn id="109" presetID="10" presetClass="entr" presetSubtype="0" fill="hold" nodeType="clickEffect">
                                   <p:stCondLst>
                                     <p:cond delay="0"/>
                                   </p:stCondLst>
                                   <p:childTnLst>
                                     <p:set>
                                       <p:cBhvr>
-                                        <p:cTn id="109" dur="1" fill="hold">
+                                        <p:cTn id="110" dur="1" fill="hold">
                                           <p:stCondLst>
                                             <p:cond delay="0"/>
                                           </p:stCondLst>
@@ -9601,7 +9578,7 @@
                                     </p:set>
                                     <p:animEffect transition="in" filter="fade">
                                       <p:cBhvr>
-                                        <p:cTn id="110" dur="500"/>
+                                        <p:cTn id="111" dur="500"/>
                                         <p:tgtEl>
                                           <p:spTgt spid="5122"/>
                                         </p:tgtEl>
@@ -9617,26 +9594,26 @@
                     </p:cTn>
                   </p:par>
                   <p:par>
-                    <p:cTn id="111" fill="hold">
+                    <p:cTn id="112" fill="hold">
                       <p:stCondLst>
                         <p:cond delay="indefinite"/>
                       </p:stCondLst>
                       <p:childTnLst>
                         <p:par>
-                          <p:cTn id="112" fill="hold">
+                          <p:cTn id="113" fill="hold">
                             <p:stCondLst>
                               <p:cond delay="0"/>
                             </p:stCondLst>
                             <p:childTnLst>
                               <p:par>
-                                <p:cTn id="113" presetID="10" presetClass="entr" presetSubtype="0" fill="hold" nodeType="clickEffect">
+                                <p:cTn id="114" presetID="10" presetClass="entr" presetSubtype="0" fill="hold" nodeType="clickEffect">
                                   <p:stCondLst>
                                     <p:cond delay="0"/>
                                   </p:stCondLst>
                                   <p:childTnLst>
                                     <p:set>
                                       <p:cBhvr>
-                                        <p:cTn id="114" dur="1" fill="hold">
+                                        <p:cTn id="115" dur="1" fill="hold">
                                           <p:stCondLst>
                                             <p:cond delay="0"/>
                                           </p:stCondLst>
@@ -9654,7 +9631,7 @@
                                     </p:set>
                                     <p:animEffect transition="in" filter="fade">
                                       <p:cBhvr>
-                                        <p:cTn id="115" dur="500"/>
+                                        <p:cTn id="116" dur="500"/>
                                         <p:tgtEl>
                                           <p:spTgt spid="22"/>
                                         </p:tgtEl>
@@ -9667,20 +9644,20 @@
                           </p:cTn>
                         </p:par>
                         <p:par>
-                          <p:cTn id="116" fill="hold">
+                          <p:cTn id="117" fill="hold">
                             <p:stCondLst>
                               <p:cond delay="500"/>
                             </p:stCondLst>
                             <p:childTnLst>
                               <p:par>
-                                <p:cTn id="117" presetID="10" presetClass="entr" presetSubtype="0" fill="hold" nodeType="afterEffect">
+                                <p:cTn id="118" presetID="10" presetClass="entr" presetSubtype="0" fill="hold" nodeType="afterEffect">
                                   <p:stCondLst>
                                     <p:cond delay="0"/>
                                   </p:stCondLst>
                                   <p:childTnLst>
                                     <p:set>
                                       <p:cBhvr>
-                                        <p:cTn id="118" dur="1" fill="hold">
+                                        <p:cTn id="119" dur="1" fill="hold">
                                           <p:stCondLst>
                                             <p:cond delay="0"/>
                                           </p:stCondLst>
@@ -9698,7 +9675,7 @@
                                     </p:set>
                                     <p:animEffect transition="in" filter="fade">
                                       <p:cBhvr>
-                                        <p:cTn id="119" dur="500"/>
+                                        <p:cTn id="120" dur="500"/>
                                         <p:tgtEl>
                                           <p:spTgt spid="23"/>
                                         </p:tgtEl>
@@ -9711,20 +9688,20 @@
                           </p:cTn>
                         </p:par>
                         <p:par>
-                          <p:cTn id="120" fill="hold">
+                          <p:cTn id="121" fill="hold">
                             <p:stCondLst>
                               <p:cond delay="1000"/>
                             </p:stCondLst>
                             <p:childTnLst>
                               <p:par>
-                                <p:cTn id="121" presetID="10" presetClass="entr" presetSubtype="0" fill="hold" nodeType="afterEffect">
+                                <p:cTn id="122" presetID="10" presetClass="entr" presetSubtype="0" fill="hold" nodeType="afterEffect">
                                   <p:stCondLst>
                                     <p:cond delay="0"/>
                                   </p:stCondLst>
                                   <p:childTnLst>
                                     <p:set>
                                       <p:cBhvr>
-                                        <p:cTn id="122" dur="1" fill="hold">
+                                        <p:cTn id="123" dur="1" fill="hold">
                                           <p:stCondLst>
                                             <p:cond delay="0"/>
                                           </p:stCondLst>
@@ -9742,7 +9719,7 @@
                                     </p:set>
                                     <p:animEffect transition="in" filter="fade">
                                       <p:cBhvr>
-                                        <p:cTn id="123" dur="500"/>
+                                        <p:cTn id="124" dur="500"/>
                                         <p:tgtEl>
                                           <p:spTgt spid="5123"/>
                                         </p:tgtEl>
@@ -9781,12 +9758,13 @@
     <p:bldLst>
       <p:bldP spid="9" grpId="2" animBg="1"/>
       <p:bldP spid="9" grpId="3" animBg="1"/>
+      <p:bldP spid="26" grpId="0" animBg="1"/>
+      <p:bldP spid="26" grpId="1" animBg="1"/>
       <p:bldP spid="13" grpId="0" animBg="1"/>
       <p:bldP spid="13" grpId="1" animBg="1"/>
       <p:bldP spid="13" grpId="2" animBg="1"/>
       <p:bldP spid="14" grpId="0" animBg="1"/>
       <p:bldP spid="14" grpId="1" animBg="1"/>
-      <p:bldP spid="19" grpId="0" animBg="1"/>
       <p:bldP spid="24" grpId="0" animBg="1"/>
       <p:bldP spid="24" grpId="1" animBg="1"/>
       <p:bldP spid="24" grpId="2" animBg="1"/>
@@ -9825,7 +9803,7 @@
           <a:blip r:embed="rId3" cstate="print">
             <a:extLst>
               <a:ext uri="{28A0092B-C50C-407E-A947-70E740481C1C}">
-                <a14:useLocalDpi xmlns:a14="http://schemas.microsoft.com/office/drawing/2010/main" xmlns="" val="0"/>
+                <a14:useLocalDpi xmlns="" xmlns:a14="http://schemas.microsoft.com/office/drawing/2010/main" val="0"/>
               </a:ext>
             </a:extLst>
           </a:blip>
@@ -9848,14 +9826,14 @@
           </a:ln>
           <a:extLst>
             <a:ext uri="{909E8E84-426E-40DD-AFC4-6F175D3DCCD1}">
-              <a14:hiddenFill xmlns:a14="http://schemas.microsoft.com/office/drawing/2010/main" xmlns="">
+              <a14:hiddenFill xmlns="" xmlns:a14="http://schemas.microsoft.com/office/drawing/2010/main">
                 <a:solidFill>
                   <a:schemeClr val="accent1"/>
                 </a:solidFill>
               </a14:hiddenFill>
             </a:ext>
             <a:ext uri="{91240B29-F687-4F45-9708-019B960494DF}">
-              <a14:hiddenLine xmlns:a14="http://schemas.microsoft.com/office/drawing/2010/main" xmlns="" w="9525">
+              <a14:hiddenLine xmlns="" xmlns:a14="http://schemas.microsoft.com/office/drawing/2010/main" w="9525">
                 <a:solidFill>
                   <a:schemeClr val="tx1"/>
                 </a:solidFill>
@@ -9996,7 +9974,7 @@
           <a:blip r:embed="rId4" cstate="print">
             <a:extLst>
               <a:ext uri="{28A0092B-C50C-407E-A947-70E740481C1C}">
-                <a14:useLocalDpi xmlns:a14="http://schemas.microsoft.com/office/drawing/2010/main" xmlns="" val="0"/>
+                <a14:useLocalDpi xmlns="" xmlns:a14="http://schemas.microsoft.com/office/drawing/2010/main" val="0"/>
               </a:ext>
             </a:extLst>
           </a:blip>
@@ -10019,14 +9997,14 @@
           </a:ln>
           <a:extLst>
             <a:ext uri="{909E8E84-426E-40DD-AFC4-6F175D3DCCD1}">
-              <a14:hiddenFill xmlns:a14="http://schemas.microsoft.com/office/drawing/2010/main" xmlns="">
+              <a14:hiddenFill xmlns="" xmlns:a14="http://schemas.microsoft.com/office/drawing/2010/main">
                 <a:solidFill>
                   <a:schemeClr val="accent1"/>
                 </a:solidFill>
               </a14:hiddenFill>
             </a:ext>
             <a:ext uri="{91240B29-F687-4F45-9708-019B960494DF}">
-              <a14:hiddenLine xmlns:a14="http://schemas.microsoft.com/office/drawing/2010/main" xmlns="" w="9525">
+              <a14:hiddenLine xmlns="" xmlns:a14="http://schemas.microsoft.com/office/drawing/2010/main" w="9525">
                 <a:solidFill>
                   <a:schemeClr val="tx1"/>
                 </a:solidFill>
@@ -10050,7 +10028,7 @@
           <a:blip r:embed="rId5" cstate="print">
             <a:extLst>
               <a:ext uri="{28A0092B-C50C-407E-A947-70E740481C1C}">
-                <a14:useLocalDpi xmlns:a14="http://schemas.microsoft.com/office/drawing/2010/main" xmlns="" val="0"/>
+                <a14:useLocalDpi xmlns="" xmlns:a14="http://schemas.microsoft.com/office/drawing/2010/main" val="0"/>
               </a:ext>
             </a:extLst>
           </a:blip>
@@ -10071,14 +10049,14 @@
           </a:ln>
           <a:extLst>
             <a:ext uri="{909E8E84-426E-40DD-AFC4-6F175D3DCCD1}">
-              <a14:hiddenFill xmlns:a14="http://schemas.microsoft.com/office/drawing/2010/main" xmlns="">
+              <a14:hiddenFill xmlns="" xmlns:a14="http://schemas.microsoft.com/office/drawing/2010/main">
                 <a:solidFill>
                   <a:schemeClr val="accent1"/>
                 </a:solidFill>
               </a14:hiddenFill>
             </a:ext>
             <a:ext uri="{91240B29-F687-4F45-9708-019B960494DF}">
-              <a14:hiddenLine xmlns:a14="http://schemas.microsoft.com/office/drawing/2010/main" xmlns="" w="9525">
+              <a14:hiddenLine xmlns="" xmlns:a14="http://schemas.microsoft.com/office/drawing/2010/main" w="9525">
                 <a:solidFill>
                   <a:schemeClr val="tx1"/>
                 </a:solidFill>
@@ -10671,7 +10649,7 @@
           <a:blip r:embed="rId3" cstate="print">
             <a:extLst>
               <a:ext uri="{28A0092B-C50C-407E-A947-70E740481C1C}">
-                <a14:useLocalDpi xmlns:a14="http://schemas.microsoft.com/office/drawing/2010/main" xmlns="" val="0"/>
+                <a14:useLocalDpi xmlns="" xmlns:a14="http://schemas.microsoft.com/office/drawing/2010/main" val="0"/>
               </a:ext>
             </a:extLst>
           </a:blip>
@@ -10694,14 +10672,14 @@
           </a:ln>
           <a:extLst>
             <a:ext uri="{909E8E84-426E-40DD-AFC4-6F175D3DCCD1}">
-              <a14:hiddenFill xmlns:a14="http://schemas.microsoft.com/office/drawing/2010/main" xmlns="">
+              <a14:hiddenFill xmlns="" xmlns:a14="http://schemas.microsoft.com/office/drawing/2010/main">
                 <a:solidFill>
                   <a:schemeClr val="accent1"/>
                 </a:solidFill>
               </a14:hiddenFill>
             </a:ext>
             <a:ext uri="{91240B29-F687-4F45-9708-019B960494DF}">
-              <a14:hiddenLine xmlns:a14="http://schemas.microsoft.com/office/drawing/2010/main" xmlns="" w="9525">
+              <a14:hiddenLine xmlns="" xmlns:a14="http://schemas.microsoft.com/office/drawing/2010/main" w="9525">
                 <a:solidFill>
                   <a:schemeClr val="tx1"/>
                 </a:solidFill>
@@ -12474,23 +12452,17 @@
 
 <file path=ppt/tags/tag1.xml><?xml version="1.0" encoding="utf-8"?>
 <p:tagLst xmlns:a="http://schemas.openxmlformats.org/drawingml/2006/main" xmlns:r="http://schemas.openxmlformats.org/officeDocument/2006/relationships" xmlns:p="http://schemas.openxmlformats.org/presentationml/2006/main">
-  <p:tag name="TIMING" val="|3.1|4.2|4.6"/>
+  <p:tag name="TIMING" val="|0"/>
 </p:tagLst>
 </file>
 
 <file path=ppt/tags/tag2.xml><?xml version="1.0" encoding="utf-8"?>
 <p:tagLst xmlns:a="http://schemas.openxmlformats.org/drawingml/2006/main" xmlns:r="http://schemas.openxmlformats.org/officeDocument/2006/relationships" xmlns:p="http://schemas.openxmlformats.org/presentationml/2006/main">
-  <p:tag name="TIMING" val="|4.1|3|12.9|6.3|2.4|4.6|1.3"/>
+  <p:tag name="TIMING" val="|2.4|2.9|3.1|1.3|1.6"/>
 </p:tagLst>
 </file>
 
 <file path=ppt/tags/tag3.xml><?xml version="1.0" encoding="utf-8"?>
-<p:tagLst xmlns:a="http://schemas.openxmlformats.org/drawingml/2006/main" xmlns:r="http://schemas.openxmlformats.org/officeDocument/2006/relationships" xmlns:p="http://schemas.openxmlformats.org/presentationml/2006/main">
-  <p:tag name="TIMING" val="|2.4|2.9|3.1|1.3|1.6"/>
-</p:tagLst>
-</file>
-
-<file path=ppt/tags/tag4.xml><?xml version="1.0" encoding="utf-8"?>
 <p:tagLst xmlns:a="http://schemas.openxmlformats.org/drawingml/2006/main" xmlns:r="http://schemas.openxmlformats.org/officeDocument/2006/relationships" xmlns:p="http://schemas.openxmlformats.org/presentationml/2006/main">
   <p:tag name="TIMING" val="|3.6|3.7|5.1|5.4|9.6"/>
 </p:tagLst>
